--- a/html-css_ppt/6강. css 포지셔닝.pptx
+++ b/html-css_ppt/6강. css 포지셔닝.pptx
@@ -5,7 +5,7 @@
     <p:sldMasterId id="2147483648" r:id="rId1"/>
   </p:sldMasterIdLst>
   <p:notesMasterIdLst>
-    <p:notesMasterId r:id="rId38"/>
+    <p:notesMasterId r:id="rId40"/>
   </p:notesMasterIdLst>
   <p:sldIdLst>
     <p:sldId id="256" r:id="rId2"/>
@@ -17,10 +17,10 @@
     <p:sldId id="480" r:id="rId8"/>
     <p:sldId id="481" r:id="rId9"/>
     <p:sldId id="482" r:id="rId10"/>
-    <p:sldId id="492" r:id="rId11"/>
-    <p:sldId id="493" r:id="rId12"/>
-    <p:sldId id="502" r:id="rId13"/>
-    <p:sldId id="503" r:id="rId14"/>
+    <p:sldId id="502" r:id="rId11"/>
+    <p:sldId id="503" r:id="rId12"/>
+    <p:sldId id="492" r:id="rId13"/>
+    <p:sldId id="493" r:id="rId14"/>
     <p:sldId id="491" r:id="rId15"/>
     <p:sldId id="488" r:id="rId16"/>
     <p:sldId id="489" r:id="rId17"/>
@@ -31,19 +31,21 @@
     <p:sldId id="470" r:id="rId22"/>
     <p:sldId id="429" r:id="rId23"/>
     <p:sldId id="495" r:id="rId24"/>
-    <p:sldId id="430" r:id="rId25"/>
-    <p:sldId id="436" r:id="rId26"/>
-    <p:sldId id="431" r:id="rId27"/>
-    <p:sldId id="500" r:id="rId28"/>
-    <p:sldId id="501" r:id="rId29"/>
-    <p:sldId id="499" r:id="rId30"/>
-    <p:sldId id="432" r:id="rId31"/>
-    <p:sldId id="497" r:id="rId32"/>
-    <p:sldId id="435" r:id="rId33"/>
-    <p:sldId id="498" r:id="rId34"/>
-    <p:sldId id="454" r:id="rId35"/>
-    <p:sldId id="455" r:id="rId36"/>
-    <p:sldId id="483" r:id="rId37"/>
+    <p:sldId id="504" r:id="rId25"/>
+    <p:sldId id="430" r:id="rId26"/>
+    <p:sldId id="436" r:id="rId27"/>
+    <p:sldId id="505" r:id="rId28"/>
+    <p:sldId id="431" r:id="rId29"/>
+    <p:sldId id="500" r:id="rId30"/>
+    <p:sldId id="501" r:id="rId31"/>
+    <p:sldId id="499" r:id="rId32"/>
+    <p:sldId id="432" r:id="rId33"/>
+    <p:sldId id="497" r:id="rId34"/>
+    <p:sldId id="435" r:id="rId35"/>
+    <p:sldId id="498" r:id="rId36"/>
+    <p:sldId id="454" r:id="rId37"/>
+    <p:sldId id="455" r:id="rId38"/>
+    <p:sldId id="483" r:id="rId39"/>
   </p:sldIdLst>
   <p:sldSz cx="9906000" cy="6858000" type="A4"/>
   <p:notesSz cx="6858000" cy="9144000"/>
@@ -144,7 +146,7 @@
   </p:defaultTextStyle>
   <p:extLst>
     <p:ext uri="{EFAFB233-063F-42B5-8137-9DF3F51BA10A}">
-      <p15:sldGuideLst xmlns="" xmlns:p15="http://schemas.microsoft.com/office/powerpoint/2012/main">
+      <p15:sldGuideLst xmlns:p15="http://schemas.microsoft.com/office/powerpoint/2012/main">
         <p15:guide id="1" orient="horz" pos="2160">
           <p15:clr>
             <a:srgbClr val="A4A3A4"/>
@@ -243,7 +245,7 @@
           <a:p>
             <a:fld id="{7665CDAC-D627-4E87-877A-1B781DD4CADC}" type="datetimeFigureOut">
               <a:rPr lang="ko-KR" altLang="en-US" smtClean="0"/>
-              <a:t>2022-05-18</a:t>
+              <a:t>2023-03-23</a:t>
             </a:fld>
             <a:endParaRPr lang="ko-KR" altLang="en-US"/>
           </a:p>
@@ -657,7 +659,7 @@
           <a:p>
             <a:fld id="{C25BCFD5-C4DF-4EBC-B718-C69ED2FBDE6F}" type="datetime1">
               <a:rPr lang="ko-KR" altLang="en-US" smtClean="0"/>
-              <a:t>2022-05-18</a:t>
+              <a:t>2023-03-23</a:t>
             </a:fld>
             <a:endParaRPr lang="ko-KR" altLang="en-US"/>
           </a:p>
@@ -1075,7 +1077,7 @@
           <a:p>
             <a:fld id="{AB448CD7-D367-43D5-B461-ACE552E75063}" type="datetime1">
               <a:rPr lang="ko-KR" altLang="en-US" smtClean="0"/>
-              <a:t>2022-05-18</a:t>
+              <a:t>2023-03-23</a:t>
             </a:fld>
             <a:endParaRPr lang="ko-KR" altLang="en-US"/>
           </a:p>
@@ -1255,7 +1257,7 @@
           <a:p>
             <a:fld id="{B6E49E79-7361-4780-8BEF-7EDE3708298A}" type="datetime1">
               <a:rPr lang="ko-KR" altLang="en-US" smtClean="0"/>
-              <a:t>2022-05-18</a:t>
+              <a:t>2023-03-23</a:t>
             </a:fld>
             <a:endParaRPr lang="ko-KR" altLang="en-US"/>
           </a:p>
@@ -1429,7 +1431,7 @@
           <a:p>
             <a:fld id="{A4D42E3C-B70B-437C-85CF-1286301B9CBA}" type="datetime1">
               <a:rPr lang="ko-KR" altLang="en-US" smtClean="0"/>
-              <a:t>2022-05-18</a:t>
+              <a:t>2023-03-23</a:t>
             </a:fld>
             <a:endParaRPr lang="ko-KR" altLang="en-US"/>
           </a:p>
@@ -1675,7 +1677,7 @@
           <a:p>
             <a:fld id="{B3369A20-5B3D-4D98-A822-26B93D177A40}" type="datetime1">
               <a:rPr lang="ko-KR" altLang="en-US" smtClean="0"/>
-              <a:t>2022-05-18</a:t>
+              <a:t>2023-03-23</a:t>
             </a:fld>
             <a:endParaRPr lang="ko-KR" altLang="en-US"/>
           </a:p>
@@ -1963,7 +1965,7 @@
           <a:p>
             <a:fld id="{685CD4CE-9E43-4F70-A9D8-A2130CA7D92A}" type="datetime1">
               <a:rPr lang="ko-KR" altLang="en-US" smtClean="0"/>
-              <a:t>2022-05-18</a:t>
+              <a:t>2023-03-23</a:t>
             </a:fld>
             <a:endParaRPr lang="ko-KR" altLang="en-US"/>
           </a:p>
@@ -2385,7 +2387,7 @@
           <a:p>
             <a:fld id="{F752BD92-DA3E-4A0B-90C9-7DE5E15B6E96}" type="datetime1">
               <a:rPr lang="ko-KR" altLang="en-US" smtClean="0"/>
-              <a:t>2022-05-18</a:t>
+              <a:t>2023-03-23</a:t>
             </a:fld>
             <a:endParaRPr lang="ko-KR" altLang="en-US"/>
           </a:p>
@@ -2503,7 +2505,7 @@
           <a:p>
             <a:fld id="{8EA2B83A-F366-424E-B742-340ACF856BB5}" type="datetime1">
               <a:rPr lang="ko-KR" altLang="en-US" smtClean="0"/>
-              <a:t>2022-05-18</a:t>
+              <a:t>2023-03-23</a:t>
             </a:fld>
             <a:endParaRPr lang="ko-KR" altLang="en-US"/>
           </a:p>
@@ -2598,7 +2600,7 @@
           <a:p>
             <a:fld id="{9A49D68B-5DBD-48E9-A8D4-FCBC4B3DD9C6}" type="datetime1">
               <a:rPr lang="ko-KR" altLang="en-US" smtClean="0"/>
-              <a:t>2022-05-18</a:t>
+              <a:t>2023-03-23</a:t>
             </a:fld>
             <a:endParaRPr lang="ko-KR" altLang="en-US"/>
           </a:p>
@@ -2875,7 +2877,7 @@
           <a:p>
             <a:fld id="{4CAB534F-7D16-467B-9320-91F98915D181}" type="datetime1">
               <a:rPr lang="ko-KR" altLang="en-US" smtClean="0"/>
-              <a:t>2022-05-18</a:t>
+              <a:t>2023-03-23</a:t>
             </a:fld>
             <a:endParaRPr lang="ko-KR" altLang="en-US"/>
           </a:p>
@@ -3128,7 +3130,7 @@
           <a:p>
             <a:fld id="{A390A91F-2F8D-4486-A69D-D680F95444B0}" type="datetime1">
               <a:rPr lang="ko-KR" altLang="en-US" smtClean="0"/>
-              <a:t>2022-05-18</a:t>
+              <a:t>2023-03-23</a:t>
             </a:fld>
             <a:endParaRPr lang="ko-KR" altLang="en-US"/>
           </a:p>
@@ -3308,7 +3310,7 @@
           <a:p>
             <a:fld id="{2238BBEA-E8DD-414A-BF68-FC2AFA7CFF2D}" type="datetime1">
               <a:rPr lang="ko-KR" altLang="en-US" smtClean="0"/>
-              <a:t>2022-05-18</a:t>
+              <a:t>2023-03-23</a:t>
             </a:fld>
             <a:endParaRPr lang="ko-KR" altLang="en-US"/>
           </a:p>
@@ -4391,24 +4393,17 @@
         </p:blipFill>
         <p:spPr>
           <a:xfrm>
-            <a:off x="1064568" y="1340768"/>
-            <a:ext cx="7560840" cy="1283363"/>
+            <a:off x="1025929" y="1484784"/>
+            <a:ext cx="3855063" cy="720080"/>
           </a:xfrm>
           <a:prstGeom prst="rect">
             <a:avLst/>
           </a:prstGeom>
-          <a:ln>
-            <a:solidFill>
-              <a:schemeClr val="bg1">
-                <a:lumMod val="85000"/>
-              </a:schemeClr>
-            </a:solidFill>
-          </a:ln>
         </p:spPr>
       </p:pic>
       <p:pic>
         <p:nvPicPr>
-          <p:cNvPr id="7" name="그림 6"/>
+          <p:cNvPr id="9" name="그림 8"/>
           <p:cNvPicPr>
             <a:picLocks noChangeAspect="1"/>
           </p:cNvPicPr>
@@ -4428,8 +4423,8 @@
         </p:blipFill>
         <p:spPr>
           <a:xfrm>
-            <a:off x="2672934" y="2781264"/>
-            <a:ext cx="4167192" cy="3787781"/>
+            <a:off x="1224229" y="2204864"/>
+            <a:ext cx="3458462" cy="1607644"/>
           </a:xfrm>
           <a:prstGeom prst="rect">
             <a:avLst/>
@@ -4443,15 +4438,52 @@
           </a:ln>
         </p:spPr>
       </p:pic>
-      <p:sp>
-        <p:nvSpPr>
-          <p:cNvPr id="6" name="TextBox 5"/>
+      <p:pic>
+        <p:nvPicPr>
+          <p:cNvPr id="6" name="그림 5"/>
+          <p:cNvPicPr>
+            <a:picLocks noChangeAspect="1"/>
+          </p:cNvPicPr>
+          <p:nvPr/>
+        </p:nvPicPr>
+        <p:blipFill>
+          <a:blip r:embed="rId4">
+            <a:extLst>
+              <a:ext uri="{28A0092B-C50C-407E-A947-70E740481C1C}">
+                <a14:useLocalDpi xmlns:a14="http://schemas.microsoft.com/office/drawing/2010/main" val="0"/>
+              </a:ext>
+            </a:extLst>
+          </a:blip>
+          <a:stretch>
+            <a:fillRect/>
+          </a:stretch>
+        </p:blipFill>
+        <p:spPr>
+          <a:xfrm>
+            <a:off x="3656856" y="3429000"/>
+            <a:ext cx="5532600" cy="2987299"/>
+          </a:xfrm>
+          <a:prstGeom prst="rect">
+            <a:avLst/>
+          </a:prstGeom>
+          <a:ln>
+            <a:solidFill>
+              <a:schemeClr val="bg1">
+                <a:lumMod val="85000"/>
+              </a:schemeClr>
+            </a:solidFill>
+          </a:ln>
+        </p:spPr>
+      </p:pic>
+      <p:sp>
+        <p:nvSpPr>
+          <p:cNvPr id="7" name="TextBox 6"/>
           <p:cNvSpPr txBox="1"/>
           <p:nvPr/>
         </p:nvSpPr>
         <p:spPr>
           <a:xfrm>
-            <a:off x="6456085" y="3136978"/>
+            <a:off x="5241032" y="2069860"/>
             <a:ext cx="1440160" cy="414024"/>
           </a:xfrm>
           <a:prstGeom prst="rect">
@@ -4471,20 +4503,12 @@
               </a:lnSpc>
             </a:pPr>
             <a:r>
-              <a:rPr lang="en-US" altLang="ko-KR" sz="1600" dirty="0">
-                <a:solidFill>
-                  <a:srgbClr val="C00000"/>
-                </a:solidFill>
-              </a:rPr>
-              <a:t>n</a:t>
-            </a:r>
-            <a:r>
               <a:rPr lang="en-US" altLang="ko-KR" sz="1600" dirty="0" smtClean="0">
                 <a:solidFill>
                   <a:srgbClr val="C00000"/>
                 </a:solidFill>
               </a:rPr>
-              <a:t>av-pet.html </a:t>
+              <a:t>menu1.html </a:t>
             </a:r>
             <a:r>
               <a:rPr lang="ko-KR" altLang="en-US" sz="1600" dirty="0" smtClean="0">
@@ -4505,7 +4529,7 @@
     </p:spTree>
     <p:extLst>
       <p:ext uri="{BB962C8B-B14F-4D97-AF65-F5344CB8AC3E}">
-        <p14:creationId xmlns:p14="http://schemas.microsoft.com/office/powerpoint/2010/main" val="289905414"/>
+        <p14:creationId xmlns:p14="http://schemas.microsoft.com/office/powerpoint/2010/main" val="4063735828"/>
       </p:ext>
     </p:extLst>
   </p:cSld>
@@ -4623,8 +4647,41 @@
         </p:blipFill>
         <p:spPr>
           <a:xfrm>
-            <a:off x="992560" y="1668209"/>
-            <a:ext cx="7574937" cy="3513125"/>
+            <a:off x="1136576" y="1628800"/>
+            <a:ext cx="4032448" cy="682148"/>
+          </a:xfrm>
+          <a:prstGeom prst="rect">
+            <a:avLst/>
+          </a:prstGeom>
+          <a:ln>
+            <a:noFill/>
+          </a:ln>
+        </p:spPr>
+      </p:pic>
+      <p:pic>
+        <p:nvPicPr>
+          <p:cNvPr id="7" name="그림 6"/>
+          <p:cNvPicPr>
+            <a:picLocks noChangeAspect="1"/>
+          </p:cNvPicPr>
+          <p:nvPr/>
+        </p:nvPicPr>
+        <p:blipFill>
+          <a:blip r:embed="rId3">
+            <a:extLst>
+              <a:ext uri="{28A0092B-C50C-407E-A947-70E740481C1C}">
+                <a14:useLocalDpi xmlns:a14="http://schemas.microsoft.com/office/drawing/2010/main" val="0"/>
+              </a:ext>
+            </a:extLst>
+          </a:blip>
+          <a:stretch>
+            <a:fillRect/>
+          </a:stretch>
+        </p:blipFill>
+        <p:spPr>
+          <a:xfrm>
+            <a:off x="1839779" y="2492896"/>
+            <a:ext cx="5494496" cy="2987299"/>
           </a:xfrm>
           <a:prstGeom prst="rect">
             <a:avLst/>
@@ -4640,14 +4697,14 @@
       </p:pic>
       <p:sp>
         <p:nvSpPr>
-          <p:cNvPr id="8" name="TextBox 7"/>
+          <p:cNvPr id="6" name="TextBox 5"/>
           <p:cNvSpPr txBox="1"/>
           <p:nvPr/>
         </p:nvSpPr>
         <p:spPr>
           <a:xfrm>
-            <a:off x="6537176" y="1340768"/>
-            <a:ext cx="1224136" cy="461665"/>
+            <a:off x="5903244" y="1947840"/>
+            <a:ext cx="1440160" cy="414024"/>
           </a:xfrm>
           <a:prstGeom prst="rect">
             <a:avLst/>
@@ -4671,7 +4728,7 @@
                   <a:srgbClr val="C00000"/>
                 </a:solidFill>
               </a:rPr>
-              <a:t>pet.css </a:t>
+              <a:t>menu2.html </a:t>
             </a:r>
             <a:r>
               <a:rPr lang="ko-KR" altLang="en-US" sz="1600" dirty="0" smtClean="0">
@@ -4692,7 +4749,7 @@
     </p:spTree>
     <p:extLst>
       <p:ext uri="{BB962C8B-B14F-4D97-AF65-F5344CB8AC3E}">
-        <p14:creationId xmlns:p14="http://schemas.microsoft.com/office/powerpoint/2010/main" val="3154116843"/>
+        <p14:creationId xmlns:p14="http://schemas.microsoft.com/office/powerpoint/2010/main" val="3365701061"/>
       </p:ext>
     </p:extLst>
   </p:cSld>
@@ -4810,17 +4867,24 @@
         </p:blipFill>
         <p:spPr>
           <a:xfrm>
-            <a:off x="1025929" y="1484784"/>
-            <a:ext cx="3855063" cy="720080"/>
+            <a:off x="1064568" y="1340768"/>
+            <a:ext cx="7560840" cy="1283363"/>
           </a:xfrm>
           <a:prstGeom prst="rect">
             <a:avLst/>
           </a:prstGeom>
+          <a:ln>
+            <a:solidFill>
+              <a:schemeClr val="bg1">
+                <a:lumMod val="85000"/>
+              </a:schemeClr>
+            </a:solidFill>
+          </a:ln>
         </p:spPr>
       </p:pic>
       <p:pic>
         <p:nvPicPr>
-          <p:cNvPr id="9" name="그림 8"/>
+          <p:cNvPr id="7" name="그림 6"/>
           <p:cNvPicPr>
             <a:picLocks noChangeAspect="1"/>
           </p:cNvPicPr>
@@ -4840,8 +4904,8 @@
         </p:blipFill>
         <p:spPr>
           <a:xfrm>
-            <a:off x="1224229" y="2204864"/>
-            <a:ext cx="3458462" cy="1607644"/>
+            <a:off x="2672934" y="2781264"/>
+            <a:ext cx="4167192" cy="3787781"/>
           </a:xfrm>
           <a:prstGeom prst="rect">
             <a:avLst/>
@@ -4855,47 +4919,69 @@
           </a:ln>
         </p:spPr>
       </p:pic>
-      <p:pic>
-        <p:nvPicPr>
-          <p:cNvPr id="6" name="그림 5"/>
-          <p:cNvPicPr>
-            <a:picLocks noChangeAspect="1"/>
-          </p:cNvPicPr>
+      <p:sp>
+        <p:nvSpPr>
+          <p:cNvPr id="6" name="TextBox 5"/>
+          <p:cNvSpPr txBox="1"/>
           <p:nvPr/>
-        </p:nvPicPr>
-        <p:blipFill>
-          <a:blip r:embed="rId4">
-            <a:extLst>
-              <a:ext uri="{28A0092B-C50C-407E-A947-70E740481C1C}">
-                <a14:useLocalDpi xmlns:a14="http://schemas.microsoft.com/office/drawing/2010/main" val="0"/>
-              </a:ext>
-            </a:extLst>
-          </a:blip>
-          <a:stretch>
-            <a:fillRect/>
-          </a:stretch>
-        </p:blipFill>
-        <p:spPr>
-          <a:xfrm>
-            <a:off x="3656856" y="3429000"/>
-            <a:ext cx="5532600" cy="2987299"/>
+        </p:nvSpPr>
+        <p:spPr>
+          <a:xfrm>
+            <a:off x="6456085" y="3136978"/>
+            <a:ext cx="1440160" cy="414024"/>
           </a:xfrm>
           <a:prstGeom prst="rect">
             <a:avLst/>
           </a:prstGeom>
-          <a:ln>
-            <a:solidFill>
-              <a:schemeClr val="bg1">
-                <a:lumMod val="85000"/>
-              </a:schemeClr>
-            </a:solidFill>
-          </a:ln>
-        </p:spPr>
-      </p:pic>
+          <a:noFill/>
+        </p:spPr>
+        <p:txBody>
+          <a:bodyPr wrap="square" rtlCol="0">
+            <a:spAutoFit/>
+          </a:bodyPr>
+          <a:lstStyle/>
+          <a:p>
+            <a:pPr>
+              <a:lnSpc>
+                <a:spcPct val="150000"/>
+              </a:lnSpc>
+            </a:pPr>
+            <a:r>
+              <a:rPr lang="en-US" altLang="ko-KR" sz="1600" dirty="0">
+                <a:solidFill>
+                  <a:srgbClr val="C00000"/>
+                </a:solidFill>
+              </a:rPr>
+              <a:t>n</a:t>
+            </a:r>
+            <a:r>
+              <a:rPr lang="en-US" altLang="ko-KR" sz="1600" dirty="0" smtClean="0">
+                <a:solidFill>
+                  <a:srgbClr val="C00000"/>
+                </a:solidFill>
+              </a:rPr>
+              <a:t>av-pet.html </a:t>
+            </a:r>
+            <a:r>
+              <a:rPr lang="ko-KR" altLang="en-US" sz="1600" dirty="0" smtClean="0">
+                <a:solidFill>
+                  <a:srgbClr val="C00000"/>
+                </a:solidFill>
+              </a:rPr>
+              <a:t> </a:t>
+            </a:r>
+            <a:endParaRPr lang="en-US" altLang="ko-KR" sz="1600" dirty="0" smtClean="0">
+              <a:solidFill>
+                <a:srgbClr val="C00000"/>
+              </a:solidFill>
+            </a:endParaRPr>
+          </a:p>
+        </p:txBody>
+      </p:sp>
     </p:spTree>
     <p:extLst>
       <p:ext uri="{BB962C8B-B14F-4D97-AF65-F5344CB8AC3E}">
-        <p14:creationId xmlns:p14="http://schemas.microsoft.com/office/powerpoint/2010/main" val="4063735828"/>
+        <p14:creationId xmlns:p14="http://schemas.microsoft.com/office/powerpoint/2010/main" val="289905414"/>
       </p:ext>
     </p:extLst>
   </p:cSld>
@@ -4991,6 +5077,57 @@
           </a:p>
         </p:txBody>
       </p:sp>
+      <p:sp>
+        <p:nvSpPr>
+          <p:cNvPr id="8" name="TextBox 7"/>
+          <p:cNvSpPr txBox="1"/>
+          <p:nvPr/>
+        </p:nvSpPr>
+        <p:spPr>
+          <a:xfrm>
+            <a:off x="7185248" y="1104268"/>
+            <a:ext cx="1224136" cy="461665"/>
+          </a:xfrm>
+          <a:prstGeom prst="rect">
+            <a:avLst/>
+          </a:prstGeom>
+          <a:noFill/>
+        </p:spPr>
+        <p:txBody>
+          <a:bodyPr wrap="square" rtlCol="0">
+            <a:spAutoFit/>
+          </a:bodyPr>
+          <a:lstStyle/>
+          <a:p>
+            <a:pPr>
+              <a:lnSpc>
+                <a:spcPct val="150000"/>
+              </a:lnSpc>
+            </a:pPr>
+            <a:r>
+              <a:rPr lang="en-US" altLang="ko-KR" sz="1600" dirty="0" smtClean="0">
+                <a:solidFill>
+                  <a:srgbClr val="C00000"/>
+                </a:solidFill>
+              </a:rPr>
+              <a:t>pet.css </a:t>
+            </a:r>
+            <a:r>
+              <a:rPr lang="ko-KR" altLang="en-US" sz="1600" dirty="0" smtClean="0">
+                <a:solidFill>
+                  <a:srgbClr val="C00000"/>
+                </a:solidFill>
+              </a:rPr>
+              <a:t> </a:t>
+            </a:r>
+            <a:endParaRPr lang="en-US" altLang="ko-KR" sz="1600" dirty="0" smtClean="0">
+              <a:solidFill>
+                <a:srgbClr val="C00000"/>
+              </a:solidFill>
+            </a:endParaRPr>
+          </a:p>
+        </p:txBody>
+      </p:sp>
       <p:pic>
         <p:nvPicPr>
           <p:cNvPr id="5" name="그림 4"/>
@@ -5013,8 +5150,8 @@
         </p:blipFill>
         <p:spPr>
           <a:xfrm>
-            <a:off x="1136576" y="1628800"/>
-            <a:ext cx="3558849" cy="602032"/>
+            <a:off x="1136577" y="1628800"/>
+            <a:ext cx="7056784" cy="4190623"/>
           </a:xfrm>
           <a:prstGeom prst="rect">
             <a:avLst/>
@@ -5028,47 +5165,10 @@
           </a:ln>
         </p:spPr>
       </p:pic>
-      <p:pic>
-        <p:nvPicPr>
-          <p:cNvPr id="7" name="그림 6"/>
-          <p:cNvPicPr>
-            <a:picLocks noChangeAspect="1"/>
-          </p:cNvPicPr>
-          <p:nvPr/>
-        </p:nvPicPr>
-        <p:blipFill>
-          <a:blip r:embed="rId3">
-            <a:extLst>
-              <a:ext uri="{28A0092B-C50C-407E-A947-70E740481C1C}">
-                <a14:useLocalDpi xmlns:a14="http://schemas.microsoft.com/office/drawing/2010/main" val="0"/>
-              </a:ext>
-            </a:extLst>
-          </a:blip>
-          <a:stretch>
-            <a:fillRect/>
-          </a:stretch>
-        </p:blipFill>
-        <p:spPr>
-          <a:xfrm>
-            <a:off x="1839779" y="2492896"/>
-            <a:ext cx="5494496" cy="2987299"/>
-          </a:xfrm>
-          <a:prstGeom prst="rect">
-            <a:avLst/>
-          </a:prstGeom>
-          <a:ln>
-            <a:solidFill>
-              <a:schemeClr val="bg1">
-                <a:lumMod val="85000"/>
-              </a:schemeClr>
-            </a:solidFill>
-          </a:ln>
-        </p:spPr>
-      </p:pic>
     </p:spTree>
     <p:extLst>
       <p:ext uri="{BB962C8B-B14F-4D97-AF65-F5344CB8AC3E}">
-        <p14:creationId xmlns:p14="http://schemas.microsoft.com/office/powerpoint/2010/main" val="3365701061"/>
+        <p14:creationId xmlns:p14="http://schemas.microsoft.com/office/powerpoint/2010/main" val="3154116843"/>
       </p:ext>
     </p:extLst>
   </p:cSld>
@@ -5627,35 +5727,6 @@
       </p:cxnSp>
       <p:pic>
         <p:nvPicPr>
-          <p:cNvPr id="5" name="그림 4"/>
-          <p:cNvPicPr>
-            <a:picLocks noChangeAspect="1"/>
-          </p:cNvPicPr>
-          <p:nvPr/>
-        </p:nvPicPr>
-        <p:blipFill rotWithShape="1">
-          <a:blip r:embed="rId2">
-            <a:extLst>
-              <a:ext uri="{28A0092B-C50C-407E-A947-70E740481C1C}">
-                <a14:useLocalDpi xmlns:a14="http://schemas.microsoft.com/office/drawing/2010/main" val="0"/>
-              </a:ext>
-            </a:extLst>
-          </a:blip>
-          <a:srcRect r="53443" b="25093"/>
-          <a:stretch/>
-        </p:blipFill>
-        <p:spPr>
-          <a:xfrm>
-            <a:off x="5056357" y="1988840"/>
-            <a:ext cx="2824666" cy="1652675"/>
-          </a:xfrm>
-          <a:prstGeom prst="rect">
-            <a:avLst/>
-          </a:prstGeom>
-        </p:spPr>
-      </p:pic>
-      <p:pic>
-        <p:nvPicPr>
           <p:cNvPr id="13" name="그림 12"/>
           <p:cNvPicPr>
             <a:picLocks noChangeAspect="1"/>
@@ -5737,6 +5808,36 @@
           <a:xfrm>
             <a:off x="5221412" y="3854891"/>
             <a:ext cx="2659611" cy="1981372"/>
+          </a:xfrm>
+          <a:prstGeom prst="rect">
+            <a:avLst/>
+          </a:prstGeom>
+        </p:spPr>
+      </p:pic>
+      <p:pic>
+        <p:nvPicPr>
+          <p:cNvPr id="3" name="그림 2"/>
+          <p:cNvPicPr>
+            <a:picLocks noChangeAspect="1"/>
+          </p:cNvPicPr>
+          <p:nvPr/>
+        </p:nvPicPr>
+        <p:blipFill>
+          <a:blip r:embed="rId5">
+            <a:extLst>
+              <a:ext uri="{28A0092B-C50C-407E-A947-70E740481C1C}">
+                <a14:useLocalDpi xmlns:a14="http://schemas.microsoft.com/office/drawing/2010/main" val="0"/>
+              </a:ext>
+            </a:extLst>
+          </a:blip>
+          <a:stretch>
+            <a:fillRect/>
+          </a:stretch>
+        </p:blipFill>
+        <p:spPr>
+          <a:xfrm>
+            <a:off x="5178366" y="2017692"/>
+            <a:ext cx="2423370" cy="1356478"/>
           </a:xfrm>
           <a:prstGeom prst="rect">
             <a:avLst/>
@@ -5834,9 +5935,68 @@
           </a:p>
         </p:txBody>
       </p:sp>
+      <p:sp>
+        <p:nvSpPr>
+          <p:cNvPr id="13" name="TextBox 12"/>
+          <p:cNvSpPr txBox="1"/>
+          <p:nvPr/>
+        </p:nvSpPr>
+        <p:spPr>
+          <a:xfrm>
+            <a:off x="5025008" y="1628800"/>
+            <a:ext cx="1910027" cy="461665"/>
+          </a:xfrm>
+          <a:prstGeom prst="rect">
+            <a:avLst/>
+          </a:prstGeom>
+          <a:noFill/>
+        </p:spPr>
+        <p:txBody>
+          <a:bodyPr wrap="square" rtlCol="0">
+            <a:spAutoFit/>
+          </a:bodyPr>
+          <a:lstStyle/>
+          <a:p>
+            <a:pPr>
+              <a:lnSpc>
+                <a:spcPct val="150000"/>
+              </a:lnSpc>
+            </a:pPr>
+            <a:r>
+              <a:rPr lang="en-US" altLang="ko-KR" sz="1600" dirty="0">
+                <a:solidFill>
+                  <a:srgbClr val="C00000"/>
+                </a:solidFill>
+              </a:rPr>
+              <a:t>b</a:t>
+            </a:r>
+            <a:r>
+              <a:rPr lang="en-US" altLang="ko-KR" sz="1600" dirty="0" smtClean="0">
+                <a:solidFill>
+                  <a:srgbClr val="C00000"/>
+                </a:solidFill>
+              </a:rPr>
+              <a:t>ox-sizing.html </a:t>
+            </a:r>
+            <a:r>
+              <a:rPr lang="ko-KR" altLang="en-US" sz="1600" dirty="0" smtClean="0">
+                <a:solidFill>
+                  <a:srgbClr val="C00000"/>
+                </a:solidFill>
+              </a:rPr>
+              <a:t> </a:t>
+            </a:r>
+            <a:endParaRPr lang="en-US" altLang="ko-KR" sz="1600" dirty="0" smtClean="0">
+              <a:solidFill>
+                <a:srgbClr val="C00000"/>
+              </a:solidFill>
+            </a:endParaRPr>
+          </a:p>
+        </p:txBody>
+      </p:sp>
       <p:pic>
         <p:nvPicPr>
-          <p:cNvPr id="3" name="그림 2"/>
+          <p:cNvPr id="5" name="그림 4"/>
           <p:cNvPicPr>
             <a:picLocks noChangeAspect="1"/>
           </p:cNvPicPr>
@@ -5856,8 +6016,8 @@
         </p:blipFill>
         <p:spPr>
           <a:xfrm>
-            <a:off x="1914010" y="2123955"/>
-            <a:ext cx="3122022" cy="3384376"/>
+            <a:off x="2576736" y="2204864"/>
+            <a:ext cx="3657917" cy="3429297"/>
           </a:xfrm>
           <a:prstGeom prst="rect">
             <a:avLst/>
@@ -5871,65 +6031,6 @@
           </a:ln>
         </p:spPr>
       </p:pic>
-      <p:sp>
-        <p:nvSpPr>
-          <p:cNvPr id="13" name="TextBox 12"/>
-          <p:cNvSpPr txBox="1"/>
-          <p:nvPr/>
-        </p:nvSpPr>
-        <p:spPr>
-          <a:xfrm>
-            <a:off x="3224808" y="1662290"/>
-            <a:ext cx="1910027" cy="461665"/>
-          </a:xfrm>
-          <a:prstGeom prst="rect">
-            <a:avLst/>
-          </a:prstGeom>
-          <a:noFill/>
-        </p:spPr>
-        <p:txBody>
-          <a:bodyPr wrap="square" rtlCol="0">
-            <a:spAutoFit/>
-          </a:bodyPr>
-          <a:lstStyle/>
-          <a:p>
-            <a:pPr>
-              <a:lnSpc>
-                <a:spcPct val="150000"/>
-              </a:lnSpc>
-            </a:pPr>
-            <a:r>
-              <a:rPr lang="en-US" altLang="ko-KR" sz="1600" dirty="0">
-                <a:solidFill>
-                  <a:srgbClr val="C00000"/>
-                </a:solidFill>
-              </a:rPr>
-              <a:t>b</a:t>
-            </a:r>
-            <a:r>
-              <a:rPr lang="en-US" altLang="ko-KR" sz="1600" dirty="0" smtClean="0">
-                <a:solidFill>
-                  <a:srgbClr val="C00000"/>
-                </a:solidFill>
-              </a:rPr>
-              <a:t>ox-sizing.html </a:t>
-            </a:r>
-            <a:r>
-              <a:rPr lang="ko-KR" altLang="en-US" sz="1600" dirty="0" smtClean="0">
-                <a:solidFill>
-                  <a:srgbClr val="C00000"/>
-                </a:solidFill>
-              </a:rPr>
-              <a:t> </a:t>
-            </a:r>
-            <a:endParaRPr lang="en-US" altLang="ko-KR" sz="1600" dirty="0" smtClean="0">
-              <a:solidFill>
-                <a:srgbClr val="C00000"/>
-              </a:solidFill>
-            </a:endParaRPr>
-          </a:p>
-        </p:txBody>
-      </p:sp>
     </p:spTree>
     <p:extLst>
       <p:ext uri="{BB962C8B-B14F-4D97-AF65-F5344CB8AC3E}">
@@ -6862,8 +6963,20 @@
                 <a:tableStyleId>{5940675A-B579-460E-94D1-54222C63F5DA}</a:tableStyleId>
               </a:tblPr>
               <a:tblGrid>
-                <a:gridCol w="1198659"/>
-                <a:gridCol w="3697885"/>
+                <a:gridCol w="1198659">
+                  <a:extLst>
+                    <a:ext uri="{9D8B030D-6E8A-4147-A177-3AD203B41FA5}">
+                      <a16:colId xmlns:a16="http://schemas.microsoft.com/office/drawing/2014/main" val="20000"/>
+                    </a:ext>
+                  </a:extLst>
+                </a:gridCol>
+                <a:gridCol w="3697885">
+                  <a:extLst>
+                    <a:ext uri="{9D8B030D-6E8A-4147-A177-3AD203B41FA5}">
+                      <a16:colId xmlns:a16="http://schemas.microsoft.com/office/drawing/2014/main" val="20001"/>
+                    </a:ext>
+                  </a:extLst>
+                </a:gridCol>
               </a:tblGrid>
               <a:tr h="370840">
                 <a:tc>
@@ -6914,6 +7027,11 @@
                     </a:solidFill>
                   </a:tcPr>
                 </a:tc>
+                <a:extLst>
+                  <a:ext uri="{0D108BD9-81ED-4DB2-BD59-A6C34878D82A}">
+                    <a16:rowId xmlns:a16="http://schemas.microsoft.com/office/drawing/2014/main" val="10000"/>
+                  </a:ext>
+                </a:extLst>
               </a:tr>
               <a:tr h="370840">
                 <a:tc>
@@ -6953,6 +7071,11 @@
                     </a:lnR>
                   </a:tcPr>
                 </a:tc>
+                <a:extLst>
+                  <a:ext uri="{0D108BD9-81ED-4DB2-BD59-A6C34878D82A}">
+                    <a16:rowId xmlns:a16="http://schemas.microsoft.com/office/drawing/2014/main" val="10001"/>
+                  </a:ext>
+                </a:extLst>
               </a:tr>
               <a:tr h="370840">
                 <a:tc>
@@ -7007,6 +7130,11 @@
                     </a:lnR>
                   </a:tcPr>
                 </a:tc>
+                <a:extLst>
+                  <a:ext uri="{0D108BD9-81ED-4DB2-BD59-A6C34878D82A}">
+                    <a16:rowId xmlns:a16="http://schemas.microsoft.com/office/drawing/2014/main" val="10002"/>
+                  </a:ext>
+                </a:extLst>
               </a:tr>
             </a:tbl>
           </a:graphicData>
@@ -7273,8 +7401,20 @@
                 <a:tableStyleId>{5940675A-B579-460E-94D1-54222C63F5DA}</a:tableStyleId>
               </a:tblPr>
               <a:tblGrid>
-                <a:gridCol w="1470373"/>
-                <a:gridCol w="6954563"/>
+                <a:gridCol w="1470373">
+                  <a:extLst>
+                    <a:ext uri="{9D8B030D-6E8A-4147-A177-3AD203B41FA5}">
+                      <a16:colId xmlns:a16="http://schemas.microsoft.com/office/drawing/2014/main" val="20000"/>
+                    </a:ext>
+                  </a:extLst>
+                </a:gridCol>
+                <a:gridCol w="6954563">
+                  <a:extLst>
+                    <a:ext uri="{9D8B030D-6E8A-4147-A177-3AD203B41FA5}">
+                      <a16:colId xmlns:a16="http://schemas.microsoft.com/office/drawing/2014/main" val="20001"/>
+                    </a:ext>
+                  </a:extLst>
+                </a:gridCol>
               </a:tblGrid>
               <a:tr h="573385">
                 <a:tc>
@@ -7325,6 +7465,11 @@
                     </a:solidFill>
                   </a:tcPr>
                 </a:tc>
+                <a:extLst>
+                  <a:ext uri="{0D108BD9-81ED-4DB2-BD59-A6C34878D82A}">
+                    <a16:rowId xmlns:a16="http://schemas.microsoft.com/office/drawing/2014/main" val="10000"/>
+                  </a:ext>
+                </a:extLst>
               </a:tr>
               <a:tr h="573385">
                 <a:tc>
@@ -7409,6 +7554,11 @@
                     </a:lnR>
                   </a:tcPr>
                 </a:tc>
+                <a:extLst>
+                  <a:ext uri="{0D108BD9-81ED-4DB2-BD59-A6C34878D82A}">
+                    <a16:rowId xmlns:a16="http://schemas.microsoft.com/office/drawing/2014/main" val="10001"/>
+                  </a:ext>
+                </a:extLst>
               </a:tr>
               <a:tr h="728118">
                 <a:tc>
@@ -7511,6 +7661,11 @@
                     </a:lnR>
                   </a:tcPr>
                 </a:tc>
+                <a:extLst>
+                  <a:ext uri="{0D108BD9-81ED-4DB2-BD59-A6C34878D82A}">
+                    <a16:rowId xmlns:a16="http://schemas.microsoft.com/office/drawing/2014/main" val="10002"/>
+                  </a:ext>
+                </a:extLst>
               </a:tr>
               <a:tr h="573385">
                 <a:tc>
@@ -7569,6 +7724,11 @@
                     </a:lnR>
                   </a:tcPr>
                 </a:tc>
+                <a:extLst>
+                  <a:ext uri="{0D108BD9-81ED-4DB2-BD59-A6C34878D82A}">
+                    <a16:rowId xmlns:a16="http://schemas.microsoft.com/office/drawing/2014/main" val="10003"/>
+                  </a:ext>
+                </a:extLst>
               </a:tr>
             </a:tbl>
           </a:graphicData>
@@ -8127,20 +8287,12 @@
               </a:lnSpc>
             </a:pPr>
             <a:r>
-              <a:rPr lang="en-US" altLang="ko-KR" sz="1600" dirty="0">
-                <a:solidFill>
-                  <a:srgbClr val="C00000"/>
-                </a:solidFill>
-              </a:rPr>
-              <a:t>p</a:t>
-            </a:r>
-            <a:r>
               <a:rPr lang="en-US" altLang="ko-KR" sz="1600" dirty="0" smtClean="0">
                 <a:solidFill>
                   <a:srgbClr val="C00000"/>
                 </a:solidFill>
               </a:rPr>
-              <a:t>os-abs.html </a:t>
+              <a:t>position-abs.html </a:t>
             </a:r>
             <a:r>
               <a:rPr lang="ko-KR" altLang="en-US" sz="1600" dirty="0" smtClean="0">
@@ -8252,9 +8404,101 @@
           </a:p>
         </p:txBody>
       </p:sp>
+      <p:sp>
+        <p:nvSpPr>
+          <p:cNvPr id="10" name="TextBox 9"/>
+          <p:cNvSpPr txBox="1"/>
+          <p:nvPr/>
+        </p:nvSpPr>
+        <p:spPr>
+          <a:xfrm>
+            <a:off x="1424608" y="1268760"/>
+            <a:ext cx="3816424" cy="553998"/>
+          </a:xfrm>
+          <a:prstGeom prst="rect">
+            <a:avLst/>
+          </a:prstGeom>
+          <a:noFill/>
+        </p:spPr>
+        <p:txBody>
+          <a:bodyPr wrap="square" rtlCol="0">
+            <a:spAutoFit/>
+          </a:bodyPr>
+          <a:lstStyle/>
+          <a:p>
+            <a:pPr marL="285750" indent="-285750">
+              <a:lnSpc>
+                <a:spcPct val="150000"/>
+              </a:lnSpc>
+              <a:buFont typeface="Wingdings" panose="05000000000000000000" pitchFamily="2" charset="2"/>
+              <a:buChar char="l"/>
+            </a:pPr>
+            <a:r>
+              <a:rPr lang="en-US" altLang="ko-KR" sz="2000" b="1" dirty="0" smtClean="0"/>
+              <a:t>relative </a:t>
+            </a:r>
+            <a:r>
+              <a:rPr lang="ko-KR" altLang="en-US" sz="2000" b="1" dirty="0" smtClean="0"/>
+              <a:t>속성 </a:t>
+            </a:r>
+            <a:endParaRPr lang="en-US" altLang="ko-KR" b="1" dirty="0" smtClean="0"/>
+          </a:p>
+        </p:txBody>
+      </p:sp>
+      <p:sp>
+        <p:nvSpPr>
+          <p:cNvPr id="15" name="TextBox 14"/>
+          <p:cNvSpPr txBox="1"/>
+          <p:nvPr/>
+        </p:nvSpPr>
+        <p:spPr>
+          <a:xfrm>
+            <a:off x="5889104" y="1961960"/>
+            <a:ext cx="1745175" cy="461665"/>
+          </a:xfrm>
+          <a:prstGeom prst="rect">
+            <a:avLst/>
+          </a:prstGeom>
+          <a:noFill/>
+        </p:spPr>
+        <p:txBody>
+          <a:bodyPr wrap="square" rtlCol="0">
+            <a:spAutoFit/>
+          </a:bodyPr>
+          <a:lstStyle/>
+          <a:p>
+            <a:pPr>
+              <a:lnSpc>
+                <a:spcPct val="150000"/>
+              </a:lnSpc>
+            </a:pPr>
+            <a:r>
+              <a:rPr lang="en-US" altLang="ko-KR" sz="1600" dirty="0" smtClean="0">
+                <a:solidFill>
+                  <a:srgbClr val="C00000"/>
+                </a:solidFill>
+              </a:rPr>
+              <a:t>position-rel.html </a:t>
+            </a:r>
+            <a:r>
+              <a:rPr lang="ko-KR" altLang="en-US" sz="1600" dirty="0" smtClean="0">
+                <a:solidFill>
+                  <a:srgbClr val="C00000"/>
+                </a:solidFill>
+              </a:rPr>
+              <a:t> </a:t>
+            </a:r>
+            <a:endParaRPr lang="en-US" altLang="ko-KR" sz="1600" dirty="0" smtClean="0">
+              <a:solidFill>
+                <a:srgbClr val="C00000"/>
+              </a:solidFill>
+            </a:endParaRPr>
+          </a:p>
+        </p:txBody>
+      </p:sp>
       <p:pic>
         <p:nvPicPr>
-          <p:cNvPr id="9" name="그림 8"/>
+          <p:cNvPr id="5" name="그림 4"/>
           <p:cNvPicPr>
             <a:picLocks noChangeAspect="1"/>
           </p:cNvPicPr>
@@ -8268,121 +8512,22 @@
               </a:ext>
             </a:extLst>
           </a:blip>
-          <a:srcRect t="81540"/>
+          <a:srcRect t="12222"/>
           <a:stretch/>
         </p:blipFill>
         <p:spPr>
           <a:xfrm>
-            <a:off x="1793404" y="4509120"/>
-            <a:ext cx="3871296" cy="1025527"/>
+            <a:off x="1675808" y="2609371"/>
+            <a:ext cx="3894157" cy="675613"/>
           </a:xfrm>
           <a:prstGeom prst="rect">
             <a:avLst/>
           </a:prstGeom>
-          <a:ln>
-            <a:solidFill>
-              <a:schemeClr val="bg1">
-                <a:lumMod val="85000"/>
-              </a:schemeClr>
-            </a:solidFill>
-          </a:ln>
         </p:spPr>
       </p:pic>
-      <p:sp>
-        <p:nvSpPr>
-          <p:cNvPr id="10" name="TextBox 9"/>
-          <p:cNvSpPr txBox="1"/>
-          <p:nvPr/>
-        </p:nvSpPr>
-        <p:spPr>
-          <a:xfrm>
-            <a:off x="1424608" y="1268760"/>
-            <a:ext cx="3816424" cy="553998"/>
-          </a:xfrm>
-          <a:prstGeom prst="rect">
-            <a:avLst/>
-          </a:prstGeom>
-          <a:noFill/>
-        </p:spPr>
-        <p:txBody>
-          <a:bodyPr wrap="square" rtlCol="0">
-            <a:spAutoFit/>
-          </a:bodyPr>
-          <a:lstStyle/>
-          <a:p>
-            <a:pPr marL="285750" indent="-285750">
-              <a:lnSpc>
-                <a:spcPct val="150000"/>
-              </a:lnSpc>
-              <a:buFont typeface="Wingdings" panose="05000000000000000000" pitchFamily="2" charset="2"/>
-              <a:buChar char="l"/>
-            </a:pPr>
-            <a:r>
-              <a:rPr lang="en-US" altLang="ko-KR" sz="2000" b="1" dirty="0" smtClean="0"/>
-              <a:t>relative </a:t>
-            </a:r>
-            <a:r>
-              <a:rPr lang="ko-KR" altLang="en-US" sz="2000" b="1" dirty="0" smtClean="0"/>
-              <a:t>속성 </a:t>
-            </a:r>
-            <a:endParaRPr lang="en-US" altLang="ko-KR" b="1" dirty="0" smtClean="0"/>
-          </a:p>
-        </p:txBody>
-      </p:sp>
-      <p:sp>
-        <p:nvSpPr>
-          <p:cNvPr id="15" name="TextBox 14"/>
-          <p:cNvSpPr txBox="1"/>
-          <p:nvPr/>
-        </p:nvSpPr>
-        <p:spPr>
-          <a:xfrm>
-            <a:off x="4160912" y="3975447"/>
-            <a:ext cx="1512168" cy="414024"/>
-          </a:xfrm>
-          <a:prstGeom prst="rect">
-            <a:avLst/>
-          </a:prstGeom>
-          <a:noFill/>
-        </p:spPr>
-        <p:txBody>
-          <a:bodyPr wrap="square" rtlCol="0">
-            <a:spAutoFit/>
-          </a:bodyPr>
-          <a:lstStyle/>
-          <a:p>
-            <a:pPr>
-              <a:lnSpc>
-                <a:spcPct val="150000"/>
-              </a:lnSpc>
-            </a:pPr>
-            <a:r>
-              <a:rPr lang="en-US" altLang="ko-KR" sz="1600" dirty="0" smtClean="0">
-                <a:solidFill>
-                  <a:srgbClr val="C00000"/>
-                </a:solidFill>
-              </a:rPr>
-              <a:t>pos-rel.html </a:t>
-            </a:r>
-            <a:r>
-              <a:rPr lang="ko-KR" altLang="en-US" sz="1600" dirty="0" smtClean="0">
-                <a:solidFill>
-                  <a:srgbClr val="C00000"/>
-                </a:solidFill>
-              </a:rPr>
-              <a:t> </a:t>
-            </a:r>
-            <a:endParaRPr lang="en-US" altLang="ko-KR" sz="1600" dirty="0" smtClean="0">
-              <a:solidFill>
-                <a:srgbClr val="C00000"/>
-              </a:solidFill>
-            </a:endParaRPr>
-          </a:p>
-        </p:txBody>
-      </p:sp>
       <p:pic>
         <p:nvPicPr>
-          <p:cNvPr id="3" name="그림 2"/>
+          <p:cNvPr id="8" name="그림 7"/>
           <p:cNvPicPr>
             <a:picLocks noChangeAspect="1"/>
           </p:cNvPicPr>
@@ -8402,8 +8547,8 @@
         </p:blipFill>
         <p:spPr>
           <a:xfrm>
-            <a:off x="2000672" y="1975772"/>
-            <a:ext cx="1630821" cy="2309060"/>
+            <a:off x="5817096" y="2564904"/>
+            <a:ext cx="3469306" cy="3329696"/>
           </a:xfrm>
           <a:prstGeom prst="rect">
             <a:avLst/>
@@ -8417,43 +8562,297 @@
           </a:ln>
         </p:spPr>
       </p:pic>
-      <p:pic>
-        <p:nvPicPr>
-          <p:cNvPr id="7" name="그림 6"/>
-          <p:cNvPicPr>
-            <a:picLocks noChangeAspect="1"/>
-          </p:cNvPicPr>
+      <p:sp>
+        <p:nvSpPr>
+          <p:cNvPr id="11" name="TextBox 10"/>
+          <p:cNvSpPr txBox="1"/>
           <p:nvPr/>
-        </p:nvPicPr>
-        <p:blipFill>
-          <a:blip r:embed="rId4">
-            <a:extLst>
-              <a:ext uri="{28A0092B-C50C-407E-A947-70E740481C1C}">
-                <a14:useLocalDpi xmlns:a14="http://schemas.microsoft.com/office/drawing/2010/main" val="0"/>
-              </a:ext>
-            </a:extLst>
-          </a:blip>
-          <a:stretch>
-            <a:fillRect/>
-          </a:stretch>
-        </p:blipFill>
-        <p:spPr>
-          <a:xfrm>
-            <a:off x="5961112" y="1924493"/>
-            <a:ext cx="3132092" cy="3467401"/>
+        </p:nvSpPr>
+        <p:spPr>
+          <a:xfrm>
+            <a:off x="1784648" y="2154342"/>
+            <a:ext cx="2160240" cy="338554"/>
           </a:xfrm>
           <a:prstGeom prst="rect">
             <a:avLst/>
           </a:prstGeom>
-          <a:ln>
-            <a:solidFill>
-              <a:schemeClr val="bg1">
-                <a:lumMod val="85000"/>
-              </a:schemeClr>
-            </a:solidFill>
-          </a:ln>
-        </p:spPr>
-      </p:pic>
+          <a:noFill/>
+        </p:spPr>
+        <p:txBody>
+          <a:bodyPr wrap="square" rtlCol="0">
+            <a:spAutoFit/>
+          </a:bodyPr>
+          <a:lstStyle/>
+          <a:p>
+            <a:r>
+              <a:rPr lang="ko-KR" altLang="en-US" sz="1600" dirty="0" smtClean="0">
+                <a:solidFill>
+                  <a:srgbClr val="7030A0"/>
+                </a:solidFill>
+              </a:rPr>
+              <a:t>박스</a:t>
+            </a:r>
+            <a:r>
+              <a:rPr lang="en-US" altLang="ko-KR" sz="1600" dirty="0" smtClean="0">
+                <a:solidFill>
+                  <a:srgbClr val="7030A0"/>
+                </a:solidFill>
+              </a:rPr>
+              <a:t>2</a:t>
+            </a:r>
+            <a:r>
+              <a:rPr lang="ko-KR" altLang="en-US" sz="1600" dirty="0" smtClean="0">
+                <a:solidFill>
+                  <a:srgbClr val="7030A0"/>
+                </a:solidFill>
+              </a:rPr>
+              <a:t>의 원래 위치</a:t>
+            </a:r>
+            <a:endParaRPr lang="ko-KR" altLang="en-US" sz="1600" dirty="0">
+              <a:solidFill>
+                <a:srgbClr val="7030A0"/>
+              </a:solidFill>
+            </a:endParaRPr>
+          </a:p>
+        </p:txBody>
+      </p:sp>
+      <p:sp>
+        <p:nvSpPr>
+          <p:cNvPr id="13" name="TextBox 12"/>
+          <p:cNvSpPr txBox="1"/>
+          <p:nvPr/>
+        </p:nvSpPr>
+        <p:spPr>
+          <a:xfrm>
+            <a:off x="1784648" y="3666510"/>
+            <a:ext cx="2160240" cy="338554"/>
+          </a:xfrm>
+          <a:prstGeom prst="rect">
+            <a:avLst/>
+          </a:prstGeom>
+          <a:noFill/>
+        </p:spPr>
+        <p:txBody>
+          <a:bodyPr wrap="square" rtlCol="0">
+            <a:spAutoFit/>
+          </a:bodyPr>
+          <a:lstStyle/>
+          <a:p>
+            <a:r>
+              <a:rPr lang="ko-KR" altLang="en-US" sz="1600" dirty="0" smtClean="0">
+                <a:solidFill>
+                  <a:srgbClr val="7030A0"/>
+                </a:solidFill>
+              </a:rPr>
+              <a:t>박스</a:t>
+            </a:r>
+            <a:r>
+              <a:rPr lang="en-US" altLang="ko-KR" sz="1600" dirty="0" smtClean="0">
+                <a:solidFill>
+                  <a:srgbClr val="7030A0"/>
+                </a:solidFill>
+              </a:rPr>
+              <a:t>2</a:t>
+            </a:r>
+            <a:r>
+              <a:rPr lang="ko-KR" altLang="en-US" sz="1600" dirty="0" smtClean="0">
+                <a:solidFill>
+                  <a:srgbClr val="7030A0"/>
+                </a:solidFill>
+              </a:rPr>
+              <a:t> 위치 이동</a:t>
+            </a:r>
+            <a:endParaRPr lang="ko-KR" altLang="en-US" sz="1600" dirty="0">
+              <a:solidFill>
+                <a:srgbClr val="7030A0"/>
+              </a:solidFill>
+            </a:endParaRPr>
+          </a:p>
+        </p:txBody>
+      </p:sp>
+      <p:grpSp>
+        <p:nvGrpSpPr>
+          <p:cNvPr id="21" name="그룹 20"/>
+          <p:cNvGrpSpPr/>
+          <p:nvPr/>
+        </p:nvGrpSpPr>
+        <p:grpSpPr>
+          <a:xfrm>
+            <a:off x="1640632" y="3966064"/>
+            <a:ext cx="4063678" cy="1479160"/>
+            <a:chOff x="1640632" y="3966064"/>
+            <a:chExt cx="4063678" cy="1479160"/>
+          </a:xfrm>
+        </p:grpSpPr>
+        <p:pic>
+          <p:nvPicPr>
+            <p:cNvPr id="6" name="그림 5"/>
+            <p:cNvPicPr>
+              <a:picLocks noChangeAspect="1"/>
+            </p:cNvPicPr>
+            <p:nvPr/>
+          </p:nvPicPr>
+          <p:blipFill>
+            <a:blip r:embed="rId4">
+              <a:extLst>
+                <a:ext uri="{28A0092B-C50C-407E-A947-70E740481C1C}">
+                  <a14:useLocalDpi xmlns:a14="http://schemas.microsoft.com/office/drawing/2010/main" val="0"/>
+                </a:ext>
+              </a:extLst>
+            </a:blip>
+            <a:stretch>
+              <a:fillRect/>
+            </a:stretch>
+          </p:blipFill>
+          <p:spPr>
+            <a:xfrm>
+              <a:off x="1640632" y="4211454"/>
+              <a:ext cx="4063678" cy="1233770"/>
+            </a:xfrm>
+            <a:prstGeom prst="rect">
+              <a:avLst/>
+            </a:prstGeom>
+          </p:spPr>
+        </p:pic>
+        <p:cxnSp>
+          <p:nvCxnSpPr>
+            <p:cNvPr id="14" name="직선 연결선 13"/>
+            <p:cNvCxnSpPr/>
+            <p:nvPr/>
+          </p:nvCxnSpPr>
+          <p:spPr>
+            <a:xfrm>
+              <a:off x="2864768" y="4283462"/>
+              <a:ext cx="0" cy="351123"/>
+            </a:xfrm>
+            <a:prstGeom prst="line">
+              <a:avLst/>
+            </a:prstGeom>
+            <a:ln w="19050">
+              <a:solidFill>
+                <a:srgbClr val="C00000"/>
+              </a:solidFill>
+              <a:headEnd type="none" w="med" len="med"/>
+              <a:tailEnd type="triangle" w="med" len="med"/>
+            </a:ln>
+          </p:spPr>
+          <p:style>
+            <a:lnRef idx="1">
+              <a:schemeClr val="accent1"/>
+            </a:lnRef>
+            <a:fillRef idx="0">
+              <a:schemeClr val="accent1"/>
+            </a:fillRef>
+            <a:effectRef idx="0">
+              <a:schemeClr val="accent1"/>
+            </a:effectRef>
+            <a:fontRef idx="minor">
+              <a:schemeClr val="tx1"/>
+            </a:fontRef>
+          </p:style>
+        </p:cxnSp>
+        <p:cxnSp>
+          <p:nvCxnSpPr>
+            <p:cNvPr id="16" name="직선 연결선 15"/>
+            <p:cNvCxnSpPr/>
+            <p:nvPr/>
+          </p:nvCxnSpPr>
+          <p:spPr>
+            <a:xfrm flipV="1">
+              <a:off x="2847257" y="4417506"/>
+              <a:ext cx="377551" cy="7606"/>
+            </a:xfrm>
+            <a:prstGeom prst="line">
+              <a:avLst/>
+            </a:prstGeom>
+            <a:ln w="19050">
+              <a:solidFill>
+                <a:srgbClr val="C00000"/>
+              </a:solidFill>
+              <a:headEnd type="triangle" w="med" len="med"/>
+              <a:tailEnd type="none" w="med" len="med"/>
+            </a:ln>
+          </p:spPr>
+          <p:style>
+            <a:lnRef idx="1">
+              <a:schemeClr val="accent1"/>
+            </a:lnRef>
+            <a:fillRef idx="0">
+              <a:schemeClr val="accent1"/>
+            </a:fillRef>
+            <a:effectRef idx="0">
+              <a:schemeClr val="accent1"/>
+            </a:effectRef>
+            <a:fontRef idx="minor">
+              <a:schemeClr val="tx1"/>
+            </a:fontRef>
+          </p:style>
+        </p:cxnSp>
+        <p:sp>
+          <p:nvSpPr>
+            <p:cNvPr id="19" name="TextBox 18"/>
+            <p:cNvSpPr txBox="1"/>
+            <p:nvPr/>
+          </p:nvSpPr>
+          <p:spPr>
+            <a:xfrm>
+              <a:off x="3332820" y="4211454"/>
+              <a:ext cx="612068" cy="307777"/>
+            </a:xfrm>
+            <a:prstGeom prst="rect">
+              <a:avLst/>
+            </a:prstGeom>
+            <a:noFill/>
+          </p:spPr>
+          <p:txBody>
+            <a:bodyPr wrap="square" rtlCol="0">
+              <a:spAutoFit/>
+            </a:bodyPr>
+            <a:lstStyle/>
+            <a:p>
+              <a:r>
+                <a:rPr lang="en-US" altLang="ko-KR" sz="1400" dirty="0" smtClean="0"/>
+                <a:t>50px</a:t>
+              </a:r>
+              <a:endParaRPr lang="ko-KR" altLang="en-US" sz="1400" dirty="0"/>
+            </a:p>
+          </p:txBody>
+        </p:sp>
+        <p:sp>
+          <p:nvSpPr>
+            <p:cNvPr id="20" name="TextBox 19"/>
+            <p:cNvSpPr txBox="1"/>
+            <p:nvPr/>
+          </p:nvSpPr>
+          <p:spPr>
+            <a:xfrm>
+              <a:off x="2541223" y="3966064"/>
+              <a:ext cx="612068" cy="307777"/>
+            </a:xfrm>
+            <a:prstGeom prst="rect">
+              <a:avLst/>
+            </a:prstGeom>
+            <a:noFill/>
+          </p:spPr>
+          <p:txBody>
+            <a:bodyPr wrap="square" rtlCol="0">
+              <a:spAutoFit/>
+            </a:bodyPr>
+            <a:lstStyle/>
+            <a:p>
+              <a:r>
+                <a:rPr lang="en-US" altLang="ko-KR" sz="1400" dirty="0"/>
+                <a:t>3</a:t>
+              </a:r>
+              <a:r>
+                <a:rPr lang="en-US" altLang="ko-KR" sz="1400" dirty="0" smtClean="0"/>
+                <a:t>0px</a:t>
+              </a:r>
+              <a:endParaRPr lang="ko-KR" altLang="en-US" sz="1400" dirty="0"/>
+            </a:p>
+          </p:txBody>
+        </p:sp>
+      </p:grpSp>
     </p:spTree>
     <p:extLst>
       <p:ext uri="{BB962C8B-B14F-4D97-AF65-F5344CB8AC3E}">
@@ -8553,9 +8952,129 @@
           </a:p>
         </p:txBody>
       </p:sp>
+      <p:sp>
+        <p:nvSpPr>
+          <p:cNvPr id="15" name="TextBox 14"/>
+          <p:cNvSpPr txBox="1"/>
+          <p:nvPr/>
+        </p:nvSpPr>
+        <p:spPr>
+          <a:xfrm>
+            <a:off x="3258528" y="4653136"/>
+            <a:ext cx="2280293" cy="461665"/>
+          </a:xfrm>
+          <a:prstGeom prst="rect">
+            <a:avLst/>
+          </a:prstGeom>
+          <a:noFill/>
+        </p:spPr>
+        <p:txBody>
+          <a:bodyPr wrap="square" rtlCol="0">
+            <a:spAutoFit/>
+          </a:bodyPr>
+          <a:lstStyle/>
+          <a:p>
+            <a:pPr>
+              <a:lnSpc>
+                <a:spcPct val="150000"/>
+              </a:lnSpc>
+            </a:pPr>
+            <a:r>
+              <a:rPr lang="en-US" altLang="ko-KR" sz="1600" dirty="0" smtClean="0">
+                <a:solidFill>
+                  <a:srgbClr val="C00000"/>
+                </a:solidFill>
+              </a:rPr>
+              <a:t>position-rel_abs.html </a:t>
+            </a:r>
+            <a:r>
+              <a:rPr lang="ko-KR" altLang="en-US" sz="1600" dirty="0" smtClean="0">
+                <a:solidFill>
+                  <a:srgbClr val="C00000"/>
+                </a:solidFill>
+              </a:rPr>
+              <a:t> </a:t>
+            </a:r>
+            <a:endParaRPr lang="en-US" altLang="ko-KR" sz="1600" dirty="0" smtClean="0">
+              <a:solidFill>
+                <a:srgbClr val="C00000"/>
+              </a:solidFill>
+            </a:endParaRPr>
+          </a:p>
+        </p:txBody>
+      </p:sp>
+      <p:sp>
+        <p:nvSpPr>
+          <p:cNvPr id="12" name="TextBox 11"/>
+          <p:cNvSpPr txBox="1"/>
+          <p:nvPr/>
+        </p:nvSpPr>
+        <p:spPr>
+          <a:xfrm>
+            <a:off x="1424608" y="1268760"/>
+            <a:ext cx="5760640" cy="553998"/>
+          </a:xfrm>
+          <a:prstGeom prst="rect">
+            <a:avLst/>
+          </a:prstGeom>
+          <a:noFill/>
+        </p:spPr>
+        <p:txBody>
+          <a:bodyPr wrap="square" rtlCol="0">
+            <a:spAutoFit/>
+          </a:bodyPr>
+          <a:lstStyle/>
+          <a:p>
+            <a:pPr marL="285750" indent="-285750">
+              <a:lnSpc>
+                <a:spcPct val="150000"/>
+              </a:lnSpc>
+              <a:buFont typeface="Wingdings" panose="05000000000000000000" pitchFamily="2" charset="2"/>
+              <a:buChar char="l"/>
+            </a:pPr>
+            <a:r>
+              <a:rPr lang="en-US" altLang="ko-KR" sz="2000" b="1" dirty="0" err="1" smtClean="0"/>
+              <a:t>absoluet</a:t>
+            </a:r>
+            <a:r>
+              <a:rPr lang="en-US" altLang="ko-KR" sz="2000" b="1" dirty="0" smtClean="0"/>
+              <a:t> </a:t>
+            </a:r>
+            <a:r>
+              <a:rPr lang="ko-KR" altLang="en-US" sz="2000" b="1" dirty="0" smtClean="0"/>
+              <a:t>속성</a:t>
+            </a:r>
+            <a:r>
+              <a:rPr lang="en-US" altLang="ko-KR" sz="2000" b="1" dirty="0" smtClean="0"/>
+              <a:t>(</a:t>
+            </a:r>
+            <a:r>
+              <a:rPr lang="ko-KR" altLang="en-US" sz="2000" b="1" dirty="0" smtClean="0"/>
+              <a:t>부모 요소가 </a:t>
+            </a:r>
+            <a:r>
+              <a:rPr lang="en-US" altLang="ko-KR" sz="2000" b="1" dirty="0" smtClean="0"/>
+              <a:t>relative</a:t>
+            </a:r>
+            <a:r>
+              <a:rPr lang="ko-KR" altLang="en-US" sz="2000" b="1" dirty="0" smtClean="0"/>
+              <a:t>인 경우</a:t>
+            </a:r>
+            <a:r>
+              <a:rPr lang="en-US" altLang="ko-KR" sz="2000" b="1" dirty="0" smtClean="0"/>
+              <a:t>)</a:t>
+            </a:r>
+            <a:r>
+              <a:rPr lang="ko-KR" altLang="en-US" sz="2000" b="1" dirty="0" smtClean="0"/>
+              <a:t> </a:t>
+            </a:r>
+            <a:endParaRPr lang="en-US" altLang="ko-KR" b="1" dirty="0" smtClean="0"/>
+          </a:p>
+        </p:txBody>
+      </p:sp>
       <p:pic>
         <p:nvPicPr>
-          <p:cNvPr id="6" name="그림 5"/>
+          <p:cNvPr id="7" name="그림 6"/>
           <p:cNvPicPr>
             <a:picLocks noChangeAspect="1"/>
           </p:cNvPicPr>
@@ -8575,76 +9094,24 @@
         </p:blipFill>
         <p:spPr>
           <a:xfrm>
-            <a:off x="1764706" y="2034477"/>
-            <a:ext cx="2823159" cy="2834683"/>
+            <a:off x="2470587" y="5291639"/>
+            <a:ext cx="2872989" cy="662997"/>
           </a:xfrm>
           <a:prstGeom prst="rect">
             <a:avLst/>
           </a:prstGeom>
+          <a:ln>
+            <a:solidFill>
+              <a:schemeClr val="bg1">
+                <a:lumMod val="85000"/>
+              </a:schemeClr>
+            </a:solidFill>
+          </a:ln>
         </p:spPr>
       </p:pic>
-      <p:sp>
-        <p:nvSpPr>
-          <p:cNvPr id="15" name="TextBox 14"/>
-          <p:cNvSpPr txBox="1"/>
-          <p:nvPr/>
-        </p:nvSpPr>
-        <p:spPr>
-          <a:xfrm>
-            <a:off x="7110084" y="3140968"/>
-            <a:ext cx="1944216" cy="461665"/>
-          </a:xfrm>
-          <a:prstGeom prst="rect">
-            <a:avLst/>
-          </a:prstGeom>
-          <a:noFill/>
-        </p:spPr>
-        <p:txBody>
-          <a:bodyPr wrap="square" rtlCol="0">
-            <a:spAutoFit/>
-          </a:bodyPr>
-          <a:lstStyle/>
-          <a:p>
-            <a:pPr>
-              <a:lnSpc>
-                <a:spcPct val="150000"/>
-              </a:lnSpc>
-            </a:pPr>
-            <a:r>
-              <a:rPr lang="en-US" altLang="ko-KR" sz="1600" dirty="0">
-                <a:solidFill>
-                  <a:srgbClr val="C00000"/>
-                </a:solidFill>
-              </a:rPr>
-              <a:t>p</a:t>
-            </a:r>
-            <a:r>
-              <a:rPr lang="en-US" altLang="ko-KR" sz="1600" dirty="0" smtClean="0">
-                <a:solidFill>
-                  <a:srgbClr val="C00000"/>
-                </a:solidFill>
-              </a:rPr>
-              <a:t>os-rel-abs.html </a:t>
-            </a:r>
-            <a:r>
-              <a:rPr lang="ko-KR" altLang="en-US" sz="1600" dirty="0" smtClean="0">
-                <a:solidFill>
-                  <a:srgbClr val="C00000"/>
-                </a:solidFill>
-              </a:rPr>
-              <a:t> </a:t>
-            </a:r>
-            <a:endParaRPr lang="en-US" altLang="ko-KR" sz="1600" dirty="0" smtClean="0">
-              <a:solidFill>
-                <a:srgbClr val="C00000"/>
-              </a:solidFill>
-            </a:endParaRPr>
-          </a:p>
-        </p:txBody>
-      </p:sp>
       <p:pic>
         <p:nvPicPr>
-          <p:cNvPr id="5" name="그림 4"/>
+          <p:cNvPr id="9" name="그림 8"/>
           <p:cNvPicPr>
             <a:picLocks noChangeAspect="1"/>
           </p:cNvPicPr>
@@ -8664,8 +9131,38 @@
         </p:blipFill>
         <p:spPr>
           <a:xfrm>
-            <a:off x="4877836" y="3673026"/>
-            <a:ext cx="4251628" cy="1676797"/>
+            <a:off x="2216696" y="2020286"/>
+            <a:ext cx="2502815" cy="2533945"/>
+          </a:xfrm>
+          <a:prstGeom prst="rect">
+            <a:avLst/>
+          </a:prstGeom>
+        </p:spPr>
+      </p:pic>
+      <p:pic>
+        <p:nvPicPr>
+          <p:cNvPr id="10" name="그림 9"/>
+          <p:cNvPicPr>
+            <a:picLocks noChangeAspect="1"/>
+          </p:cNvPicPr>
+          <p:nvPr/>
+        </p:nvPicPr>
+        <p:blipFill>
+          <a:blip r:embed="rId4">
+            <a:extLst>
+              <a:ext uri="{28A0092B-C50C-407E-A947-70E740481C1C}">
+                <a14:useLocalDpi xmlns:a14="http://schemas.microsoft.com/office/drawing/2010/main" val="0"/>
+              </a:ext>
+            </a:extLst>
+          </a:blip>
+          <a:stretch>
+            <a:fillRect/>
+          </a:stretch>
+        </p:blipFill>
+        <p:spPr>
+          <a:xfrm>
+            <a:off x="5676039" y="2132856"/>
+            <a:ext cx="3018418" cy="3672408"/>
           </a:xfrm>
           <a:prstGeom prst="rect">
             <a:avLst/>
@@ -8679,75 +9176,6 @@
           </a:ln>
         </p:spPr>
       </p:pic>
-      <p:sp>
-        <p:nvSpPr>
-          <p:cNvPr id="12" name="TextBox 11"/>
-          <p:cNvSpPr txBox="1"/>
-          <p:nvPr/>
-        </p:nvSpPr>
-        <p:spPr>
-          <a:xfrm>
-            <a:off x="1424608" y="1268760"/>
-            <a:ext cx="5760640" cy="553998"/>
-          </a:xfrm>
-          <a:prstGeom prst="rect">
-            <a:avLst/>
-          </a:prstGeom>
-          <a:noFill/>
-        </p:spPr>
-        <p:txBody>
-          <a:bodyPr wrap="square" rtlCol="0">
-            <a:spAutoFit/>
-          </a:bodyPr>
-          <a:lstStyle/>
-          <a:p>
-            <a:pPr marL="285750" indent="-285750">
-              <a:lnSpc>
-                <a:spcPct val="150000"/>
-              </a:lnSpc>
-              <a:buFont typeface="Wingdings" panose="05000000000000000000" pitchFamily="2" charset="2"/>
-              <a:buChar char="l"/>
-            </a:pPr>
-            <a:r>
-              <a:rPr lang="en-US" altLang="ko-KR" sz="2000" b="1" dirty="0" err="1" smtClean="0"/>
-              <a:t>absoluet</a:t>
-            </a:r>
-            <a:r>
-              <a:rPr lang="en-US" altLang="ko-KR" sz="2000" b="1" dirty="0" smtClean="0"/>
-              <a:t> </a:t>
-            </a:r>
-            <a:r>
-              <a:rPr lang="ko-KR" altLang="en-US" sz="2000" b="1" dirty="0" smtClean="0"/>
-              <a:t>속성</a:t>
-            </a:r>
-            <a:r>
-              <a:rPr lang="en-US" altLang="ko-KR" sz="2000" b="1" dirty="0" smtClean="0"/>
-              <a:t>(</a:t>
-            </a:r>
-            <a:r>
-              <a:rPr lang="ko-KR" altLang="en-US" sz="2000" b="1" dirty="0" smtClean="0"/>
-              <a:t>부모 요소가 </a:t>
-            </a:r>
-            <a:r>
-              <a:rPr lang="en-US" altLang="ko-KR" sz="2000" b="1" dirty="0" smtClean="0"/>
-              <a:t>relative</a:t>
-            </a:r>
-            <a:r>
-              <a:rPr lang="ko-KR" altLang="en-US" sz="2000" b="1" dirty="0" smtClean="0"/>
-              <a:t>인 경우</a:t>
-            </a:r>
-            <a:r>
-              <a:rPr lang="en-US" altLang="ko-KR" sz="2000" b="1" dirty="0" smtClean="0"/>
-              <a:t>)</a:t>
-            </a:r>
-            <a:r>
-              <a:rPr lang="ko-KR" altLang="en-US" sz="2000" b="1" dirty="0" smtClean="0"/>
-              <a:t> </a:t>
-            </a:r>
-            <a:endParaRPr lang="en-US" altLang="ko-KR" b="1" dirty="0" smtClean="0"/>
-          </a:p>
-        </p:txBody>
-      </p:sp>
     </p:spTree>
     <p:extLst>
       <p:ext uri="{BB962C8B-B14F-4D97-AF65-F5344CB8AC3E}">
@@ -8842,6 +9270,292 @@
             <a:fld id="{1BDE3FE7-3AEA-4B05-AC5A-802D1816ACF0}" type="slidenum">
               <a:rPr lang="ko-KR" altLang="en-US" smtClean="0"/>
               <a:t>24</a:t>
+            </a:fld>
+            <a:endParaRPr lang="ko-KR" altLang="en-US"/>
+          </a:p>
+        </p:txBody>
+      </p:sp>
+      <p:pic>
+        <p:nvPicPr>
+          <p:cNvPr id="6" name="그림 5"/>
+          <p:cNvPicPr>
+            <a:picLocks noChangeAspect="1"/>
+          </p:cNvPicPr>
+          <p:nvPr/>
+        </p:nvPicPr>
+        <p:blipFill>
+          <a:blip r:embed="rId2">
+            <a:extLst>
+              <a:ext uri="{28A0092B-C50C-407E-A947-70E740481C1C}">
+                <a14:useLocalDpi xmlns:a14="http://schemas.microsoft.com/office/drawing/2010/main" val="0"/>
+              </a:ext>
+            </a:extLst>
+          </a:blip>
+          <a:stretch>
+            <a:fillRect/>
+          </a:stretch>
+        </p:blipFill>
+        <p:spPr>
+          <a:xfrm>
+            <a:off x="1764706" y="2034477"/>
+            <a:ext cx="2823159" cy="2834683"/>
+          </a:xfrm>
+          <a:prstGeom prst="rect">
+            <a:avLst/>
+          </a:prstGeom>
+        </p:spPr>
+      </p:pic>
+      <p:sp>
+        <p:nvSpPr>
+          <p:cNvPr id="15" name="TextBox 14"/>
+          <p:cNvSpPr txBox="1"/>
+          <p:nvPr/>
+        </p:nvSpPr>
+        <p:spPr>
+          <a:xfrm>
+            <a:off x="6609184" y="3140968"/>
+            <a:ext cx="2445116" cy="414024"/>
+          </a:xfrm>
+          <a:prstGeom prst="rect">
+            <a:avLst/>
+          </a:prstGeom>
+          <a:noFill/>
+        </p:spPr>
+        <p:txBody>
+          <a:bodyPr wrap="square" rtlCol="0">
+            <a:spAutoFit/>
+          </a:bodyPr>
+          <a:lstStyle/>
+          <a:p>
+            <a:pPr>
+              <a:lnSpc>
+                <a:spcPct val="150000"/>
+              </a:lnSpc>
+            </a:pPr>
+            <a:r>
+              <a:rPr lang="en-US" altLang="ko-KR" sz="1600" dirty="0" smtClean="0">
+                <a:solidFill>
+                  <a:srgbClr val="C00000"/>
+                </a:solidFill>
+              </a:rPr>
+              <a:t>position-rel_abs2.html </a:t>
+            </a:r>
+            <a:r>
+              <a:rPr lang="ko-KR" altLang="en-US" sz="1600" dirty="0" smtClean="0">
+                <a:solidFill>
+                  <a:srgbClr val="C00000"/>
+                </a:solidFill>
+              </a:rPr>
+              <a:t> </a:t>
+            </a:r>
+            <a:endParaRPr lang="en-US" altLang="ko-KR" sz="1600" dirty="0" smtClean="0">
+              <a:solidFill>
+                <a:srgbClr val="C00000"/>
+              </a:solidFill>
+            </a:endParaRPr>
+          </a:p>
+        </p:txBody>
+      </p:sp>
+      <p:pic>
+        <p:nvPicPr>
+          <p:cNvPr id="5" name="그림 4"/>
+          <p:cNvPicPr>
+            <a:picLocks noChangeAspect="1"/>
+          </p:cNvPicPr>
+          <p:nvPr/>
+        </p:nvPicPr>
+        <p:blipFill>
+          <a:blip r:embed="rId3">
+            <a:extLst>
+              <a:ext uri="{28A0092B-C50C-407E-A947-70E740481C1C}">
+                <a14:useLocalDpi xmlns:a14="http://schemas.microsoft.com/office/drawing/2010/main" val="0"/>
+              </a:ext>
+            </a:extLst>
+          </a:blip>
+          <a:stretch>
+            <a:fillRect/>
+          </a:stretch>
+        </p:blipFill>
+        <p:spPr>
+          <a:xfrm>
+            <a:off x="4877836" y="3673026"/>
+            <a:ext cx="4251628" cy="1676797"/>
+          </a:xfrm>
+          <a:prstGeom prst="rect">
+            <a:avLst/>
+          </a:prstGeom>
+          <a:ln>
+            <a:solidFill>
+              <a:schemeClr val="bg1">
+                <a:lumMod val="85000"/>
+              </a:schemeClr>
+            </a:solidFill>
+          </a:ln>
+        </p:spPr>
+      </p:pic>
+      <p:sp>
+        <p:nvSpPr>
+          <p:cNvPr id="12" name="TextBox 11"/>
+          <p:cNvSpPr txBox="1"/>
+          <p:nvPr/>
+        </p:nvSpPr>
+        <p:spPr>
+          <a:xfrm>
+            <a:off x="1424608" y="1268760"/>
+            <a:ext cx="5760640" cy="553998"/>
+          </a:xfrm>
+          <a:prstGeom prst="rect">
+            <a:avLst/>
+          </a:prstGeom>
+          <a:noFill/>
+        </p:spPr>
+        <p:txBody>
+          <a:bodyPr wrap="square" rtlCol="0">
+            <a:spAutoFit/>
+          </a:bodyPr>
+          <a:lstStyle/>
+          <a:p>
+            <a:pPr marL="285750" indent="-285750">
+              <a:lnSpc>
+                <a:spcPct val="150000"/>
+              </a:lnSpc>
+              <a:buFont typeface="Wingdings" panose="05000000000000000000" pitchFamily="2" charset="2"/>
+              <a:buChar char="l"/>
+            </a:pPr>
+            <a:r>
+              <a:rPr lang="en-US" altLang="ko-KR" sz="2000" b="1" dirty="0" err="1" smtClean="0"/>
+              <a:t>absoluet</a:t>
+            </a:r>
+            <a:r>
+              <a:rPr lang="en-US" altLang="ko-KR" sz="2000" b="1" dirty="0" smtClean="0"/>
+              <a:t> </a:t>
+            </a:r>
+            <a:r>
+              <a:rPr lang="ko-KR" altLang="en-US" sz="2000" b="1" dirty="0" smtClean="0"/>
+              <a:t>속성</a:t>
+            </a:r>
+            <a:r>
+              <a:rPr lang="en-US" altLang="ko-KR" sz="2000" b="1" dirty="0" smtClean="0"/>
+              <a:t>(</a:t>
+            </a:r>
+            <a:r>
+              <a:rPr lang="ko-KR" altLang="en-US" sz="2000" b="1" dirty="0" smtClean="0"/>
+              <a:t>부모 요소가 </a:t>
+            </a:r>
+            <a:r>
+              <a:rPr lang="en-US" altLang="ko-KR" sz="2000" b="1" dirty="0" smtClean="0"/>
+              <a:t>relative</a:t>
+            </a:r>
+            <a:r>
+              <a:rPr lang="ko-KR" altLang="en-US" sz="2000" b="1" dirty="0" smtClean="0"/>
+              <a:t>인 경우</a:t>
+            </a:r>
+            <a:r>
+              <a:rPr lang="en-US" altLang="ko-KR" sz="2000" b="1" dirty="0" smtClean="0"/>
+              <a:t>)</a:t>
+            </a:r>
+            <a:r>
+              <a:rPr lang="ko-KR" altLang="en-US" sz="2000" b="1" dirty="0" smtClean="0"/>
+              <a:t> </a:t>
+            </a:r>
+            <a:endParaRPr lang="en-US" altLang="ko-KR" b="1" dirty="0" smtClean="0"/>
+          </a:p>
+        </p:txBody>
+      </p:sp>
+    </p:spTree>
+    <p:extLst>
+      <p:ext uri="{BB962C8B-B14F-4D97-AF65-F5344CB8AC3E}">
+        <p14:creationId xmlns:p14="http://schemas.microsoft.com/office/powerpoint/2010/main" val="2796887736"/>
+      </p:ext>
+    </p:extLst>
+  </p:cSld>
+  <p:clrMapOvr>
+    <a:masterClrMapping/>
+  </p:clrMapOvr>
+  <p:timing>
+    <p:tnLst>
+      <p:par>
+        <p:cTn id="1" dur="indefinite" restart="never" nodeType="tmRoot"/>
+      </p:par>
+    </p:tnLst>
+  </p:timing>
+</p:sld>
+</file>
+
+<file path=ppt/slides/slide25.xml><?xml version="1.0" encoding="utf-8"?>
+<p:sld xmlns:a="http://schemas.openxmlformats.org/drawingml/2006/main" xmlns:r="http://schemas.openxmlformats.org/officeDocument/2006/relationships" xmlns:p="http://schemas.openxmlformats.org/presentationml/2006/main">
+  <p:cSld>
+    <p:spTree>
+      <p:nvGrpSpPr>
+        <p:cNvPr id="1" name=""/>
+        <p:cNvGrpSpPr/>
+        <p:nvPr/>
+      </p:nvGrpSpPr>
+      <p:grpSpPr>
+        <a:xfrm>
+          <a:off x="0" y="0"/>
+          <a:ext cx="0" cy="0"/>
+          <a:chOff x="0" y="0"/>
+          <a:chExt cx="0" cy="0"/>
+        </a:xfrm>
+      </p:grpSpPr>
+      <p:sp>
+        <p:nvSpPr>
+          <p:cNvPr id="2" name="제목 1"/>
+          <p:cNvSpPr>
+            <a:spLocks noGrp="1"/>
+          </p:cNvSpPr>
+          <p:nvPr>
+            <p:ph type="title"/>
+          </p:nvPr>
+        </p:nvSpPr>
+        <p:spPr>
+          <a:xfrm>
+            <a:off x="416497" y="197768"/>
+            <a:ext cx="6412780" cy="854968"/>
+          </a:xfrm>
+        </p:spPr>
+        <p:txBody>
+          <a:bodyPr>
+            <a:noAutofit/>
+          </a:bodyPr>
+          <a:lstStyle/>
+          <a:p>
+            <a:pPr algn="ctr"/>
+            <a:r>
+              <a:rPr lang="en-US" altLang="ko-KR" sz="2800" dirty="0"/>
+              <a:t>position </a:t>
+            </a:r>
+            <a:r>
+              <a:rPr lang="ko-KR" altLang="en-US" sz="2800" dirty="0"/>
+              <a:t>속성</a:t>
+            </a:r>
+          </a:p>
+        </p:txBody>
+      </p:sp>
+      <p:sp>
+        <p:nvSpPr>
+          <p:cNvPr id="4" name="슬라이드 번호 개체 틀 3"/>
+          <p:cNvSpPr>
+            <a:spLocks noGrp="1"/>
+          </p:cNvSpPr>
+          <p:nvPr>
+            <p:ph type="sldNum" sz="quarter" idx="12"/>
+          </p:nvPr>
+        </p:nvSpPr>
+        <p:spPr>
+          <a:xfrm>
+            <a:off x="8853433" y="6453336"/>
+            <a:ext cx="557267" cy="365125"/>
+          </a:xfrm>
+        </p:spPr>
+        <p:txBody>
+          <a:bodyPr/>
+          <a:lstStyle/>
+          <a:p>
+            <a:fld id="{1BDE3FE7-3AEA-4B05-AC5A-802D1816ACF0}" type="slidenum">
+              <a:rPr lang="ko-KR" altLang="en-US" smtClean="0"/>
+              <a:t>25</a:t>
             </a:fld>
             <a:endParaRPr lang="ko-KR" altLang="en-US"/>
           </a:p>
@@ -9201,7 +9915,7 @@
 </p:sld>
 </file>
 
-<file path=ppt/slides/slide25.xml><?xml version="1.0" encoding="utf-8"?>
+<file path=ppt/slides/slide26.xml><?xml version="1.0" encoding="utf-8"?>
 <p:sld xmlns:a="http://schemas.openxmlformats.org/drawingml/2006/main" xmlns:r="http://schemas.openxmlformats.org/officeDocument/2006/relationships" xmlns:p="http://schemas.openxmlformats.org/presentationml/2006/main">
   <p:cSld>
     <p:spTree>
@@ -9242,8 +9956,8 @@
           <a:p>
             <a:pPr algn="ctr"/>
             <a:r>
-              <a:rPr lang="en-US" altLang="ko-KR" sz="2800" dirty="0"/>
-              <a:t>position </a:t>
+              <a:rPr lang="en-US" altLang="ko-KR" sz="2800" dirty="0" smtClean="0"/>
+              <a:t>Position </a:t>
             </a:r>
             <a:r>
               <a:rPr lang="ko-KR" altLang="en-US" sz="2800" dirty="0" smtClean="0"/>
@@ -9270,7 +9984,7 @@
           <a:p>
             <a:fld id="{1BDE3FE7-3AEA-4B05-AC5A-802D1816ACF0}" type="slidenum">
               <a:rPr lang="ko-KR" altLang="en-US" smtClean="0"/>
-              <a:t>25</a:t>
+              <a:t>26</a:t>
             </a:fld>
             <a:endParaRPr lang="ko-KR" altLang="en-US"/>
           </a:p>
@@ -9298,110 +10012,14 @@
         </p:blipFill>
         <p:spPr>
           <a:xfrm>
-            <a:off x="1712640" y="1340768"/>
-            <a:ext cx="4536504" cy="2791319"/>
+            <a:off x="1784648" y="1916832"/>
+            <a:ext cx="5266294" cy="3240360"/>
           </a:xfrm>
           <a:prstGeom prst="rect">
             <a:avLst/>
           </a:prstGeom>
         </p:spPr>
       </p:pic>
-      <p:pic>
-        <p:nvPicPr>
-          <p:cNvPr id="7" name="그림 6"/>
-          <p:cNvPicPr>
-            <a:picLocks noChangeAspect="1"/>
-          </p:cNvPicPr>
-          <p:nvPr/>
-        </p:nvPicPr>
-        <p:blipFill>
-          <a:blip r:embed="rId3">
-            <a:extLst>
-              <a:ext uri="{28A0092B-C50C-407E-A947-70E740481C1C}">
-                <a14:useLocalDpi xmlns:a14="http://schemas.microsoft.com/office/drawing/2010/main" val="0"/>
-              </a:ext>
-            </a:extLst>
-          </a:blip>
-          <a:stretch>
-            <a:fillRect/>
-          </a:stretch>
-        </p:blipFill>
-        <p:spPr>
-          <a:xfrm>
-            <a:off x="2072680" y="4509120"/>
-            <a:ext cx="5184576" cy="1915321"/>
-          </a:xfrm>
-          <a:prstGeom prst="rect">
-            <a:avLst/>
-          </a:prstGeom>
-          <a:ln>
-            <a:solidFill>
-              <a:schemeClr val="bg1">
-                <a:lumMod val="95000"/>
-              </a:schemeClr>
-            </a:solidFill>
-          </a:ln>
-        </p:spPr>
-      </p:pic>
-      <p:sp>
-        <p:nvSpPr>
-          <p:cNvPr id="10" name="TextBox 9"/>
-          <p:cNvSpPr txBox="1"/>
-          <p:nvPr/>
-        </p:nvSpPr>
-        <p:spPr>
-          <a:xfrm>
-            <a:off x="6249144" y="4278287"/>
-            <a:ext cx="1659340" cy="461665"/>
-          </a:xfrm>
-          <a:prstGeom prst="rect">
-            <a:avLst/>
-          </a:prstGeom>
-          <a:noFill/>
-        </p:spPr>
-        <p:txBody>
-          <a:bodyPr wrap="square" rtlCol="0">
-            <a:spAutoFit/>
-          </a:bodyPr>
-          <a:lstStyle/>
-          <a:p>
-            <a:pPr>
-              <a:lnSpc>
-                <a:spcPct val="150000"/>
-              </a:lnSpc>
-            </a:pPr>
-            <a:r>
-              <a:rPr lang="en-US" altLang="ko-KR" sz="1600" dirty="0">
-                <a:solidFill>
-                  <a:srgbClr val="C00000"/>
-                </a:solidFill>
-              </a:rPr>
-              <a:t>p</a:t>
-            </a:r>
-            <a:r>
-              <a:rPr lang="en-US" altLang="ko-KR" sz="1600" dirty="0" smtClean="0">
-                <a:solidFill>
-                  <a:srgbClr val="C00000"/>
-                </a:solidFill>
-              </a:rPr>
-              <a:t>osition.html </a:t>
-            </a:r>
-            <a:r>
-              <a:rPr lang="ko-KR" altLang="en-US" sz="1600" dirty="0" smtClean="0">
-                <a:solidFill>
-                  <a:srgbClr val="C00000"/>
-                </a:solidFill>
-              </a:rPr>
-              <a:t> </a:t>
-            </a:r>
-            <a:endParaRPr lang="en-US" altLang="ko-KR" sz="1600" dirty="0" smtClean="0">
-              <a:solidFill>
-                <a:srgbClr val="C00000"/>
-              </a:solidFill>
-            </a:endParaRPr>
-          </a:p>
-        </p:txBody>
-      </p:sp>
     </p:spTree>
     <p:extLst>
       <p:ext uri="{BB962C8B-B14F-4D97-AF65-F5344CB8AC3E}">
@@ -9422,7 +10040,287 @@
 </p:sld>
 </file>
 
-<file path=ppt/slides/slide26.xml><?xml version="1.0" encoding="utf-8"?>
+<file path=ppt/slides/slide27.xml><?xml version="1.0" encoding="utf-8"?>
+<p:sld xmlns:a="http://schemas.openxmlformats.org/drawingml/2006/main" xmlns:r="http://schemas.openxmlformats.org/officeDocument/2006/relationships" xmlns:p="http://schemas.openxmlformats.org/presentationml/2006/main">
+  <p:cSld>
+    <p:spTree>
+      <p:nvGrpSpPr>
+        <p:cNvPr id="1" name=""/>
+        <p:cNvGrpSpPr/>
+        <p:nvPr/>
+      </p:nvGrpSpPr>
+      <p:grpSpPr>
+        <a:xfrm>
+          <a:off x="0" y="0"/>
+          <a:ext cx="0" cy="0"/>
+          <a:chOff x="0" y="0"/>
+          <a:chExt cx="0" cy="0"/>
+        </a:xfrm>
+      </p:grpSpPr>
+      <p:sp>
+        <p:nvSpPr>
+          <p:cNvPr id="2" name="제목 1"/>
+          <p:cNvSpPr>
+            <a:spLocks noGrp="1"/>
+          </p:cNvSpPr>
+          <p:nvPr>
+            <p:ph type="title"/>
+          </p:nvPr>
+        </p:nvSpPr>
+        <p:spPr>
+          <a:xfrm>
+            <a:off x="416497" y="197768"/>
+            <a:ext cx="6412780" cy="854968"/>
+          </a:xfrm>
+        </p:spPr>
+        <p:txBody>
+          <a:bodyPr>
+            <a:noAutofit/>
+          </a:bodyPr>
+          <a:lstStyle/>
+          <a:p>
+            <a:pPr algn="ctr"/>
+            <a:r>
+              <a:rPr lang="en-US" altLang="ko-KR" sz="2800" dirty="0" smtClean="0"/>
+              <a:t>Position </a:t>
+            </a:r>
+            <a:r>
+              <a:rPr lang="ko-KR" altLang="en-US" sz="2800" dirty="0" smtClean="0"/>
+              <a:t>실습 예제</a:t>
+            </a:r>
+            <a:endParaRPr lang="ko-KR" altLang="en-US" sz="2800" dirty="0"/>
+          </a:p>
+        </p:txBody>
+      </p:sp>
+      <p:sp>
+        <p:nvSpPr>
+          <p:cNvPr id="4" name="슬라이드 번호 개체 틀 3"/>
+          <p:cNvSpPr>
+            <a:spLocks noGrp="1"/>
+          </p:cNvSpPr>
+          <p:nvPr>
+            <p:ph type="sldNum" sz="quarter" idx="12"/>
+          </p:nvPr>
+        </p:nvSpPr>
+        <p:spPr/>
+        <p:txBody>
+          <a:bodyPr/>
+          <a:lstStyle/>
+          <a:p>
+            <a:fld id="{1BDE3FE7-3AEA-4B05-AC5A-802D1816ACF0}" type="slidenum">
+              <a:rPr lang="ko-KR" altLang="en-US" smtClean="0"/>
+              <a:t>27</a:t>
+            </a:fld>
+            <a:endParaRPr lang="ko-KR" altLang="en-US"/>
+          </a:p>
+        </p:txBody>
+      </p:sp>
+      <p:sp>
+        <p:nvSpPr>
+          <p:cNvPr id="8" name="TextBox 7"/>
+          <p:cNvSpPr txBox="1"/>
+          <p:nvPr/>
+        </p:nvSpPr>
+        <p:spPr>
+          <a:xfrm>
+            <a:off x="872855" y="2204864"/>
+            <a:ext cx="7980578" cy="2308324"/>
+          </a:xfrm>
+          <a:prstGeom prst="rect">
+            <a:avLst/>
+          </a:prstGeom>
+          <a:noFill/>
+          <a:ln>
+            <a:solidFill>
+              <a:schemeClr val="bg1">
+                <a:lumMod val="85000"/>
+              </a:schemeClr>
+            </a:solidFill>
+          </a:ln>
+        </p:spPr>
+        <p:txBody>
+          <a:bodyPr wrap="square" rtlCol="0">
+            <a:spAutoFit/>
+          </a:bodyPr>
+          <a:lstStyle/>
+          <a:p>
+            <a:pPr marL="342900" indent="-342900">
+              <a:lnSpc>
+                <a:spcPct val="200000"/>
+              </a:lnSpc>
+              <a:buFont typeface="+mj-ea"/>
+              <a:buAutoNum type="circleNumDbPlain"/>
+            </a:pPr>
+            <a:r>
+              <a:rPr lang="en-US" altLang="ko-KR" dirty="0" smtClean="0"/>
+              <a:t>#contents</a:t>
+            </a:r>
+            <a:r>
+              <a:rPr lang="ko-KR" altLang="en-US" dirty="0" smtClean="0"/>
+              <a:t>의 </a:t>
+            </a:r>
+            <a:r>
+              <a:rPr lang="ko-KR" altLang="en-US" dirty="0" smtClean="0"/>
+              <a:t>배경 이미지는 </a:t>
+            </a:r>
+            <a:r>
+              <a:rPr lang="en-US" altLang="ko-KR" dirty="0" smtClean="0"/>
+              <a:t>images/bg.jpg</a:t>
+            </a:r>
+            <a:r>
+              <a:rPr lang="ko-KR" altLang="en-US" dirty="0" smtClean="0"/>
+              <a:t>로 </a:t>
+            </a:r>
+            <a:r>
+              <a:rPr lang="ko-KR" altLang="en-US" dirty="0" smtClean="0"/>
+              <a:t>지정하는데</a:t>
+            </a:r>
+            <a:r>
+              <a:rPr lang="en-US" altLang="ko-KR" dirty="0" smtClean="0"/>
+              <a:t>, </a:t>
+            </a:r>
+            <a:r>
+              <a:rPr lang="ko-KR" altLang="en-US" dirty="0" smtClean="0"/>
+              <a:t>배경 이미지는 반복하지 않고 </a:t>
+            </a:r>
+            <a:r>
+              <a:rPr lang="ko-KR" altLang="en-US" dirty="0" smtClean="0"/>
+              <a:t>크기는 꽉 채워서 보이도록 합니다</a:t>
+            </a:r>
+            <a:r>
+              <a:rPr lang="en-US" altLang="ko-KR" dirty="0" smtClean="0"/>
+              <a:t>.</a:t>
+            </a:r>
+            <a:endParaRPr lang="en-US" altLang="ko-KR" dirty="0" smtClean="0"/>
+          </a:p>
+          <a:p>
+            <a:pPr marL="342900" indent="-342900">
+              <a:lnSpc>
+                <a:spcPct val="200000"/>
+              </a:lnSpc>
+              <a:buFont typeface="+mj-ea"/>
+              <a:buAutoNum type="circleNumDbPlain"/>
+            </a:pPr>
+            <a:r>
+              <a:rPr lang="en-US" altLang="ko-KR" dirty="0" smtClean="0"/>
+              <a:t>&lt;h1&gt; </a:t>
+            </a:r>
+            <a:r>
+              <a:rPr lang="ko-KR" altLang="en-US" dirty="0" smtClean="0"/>
+              <a:t>태그를 사용한 </a:t>
+            </a:r>
+            <a:r>
+              <a:rPr lang="ko-KR" altLang="en-US" dirty="0" smtClean="0"/>
+              <a:t>제목의 크기와 위치는 </a:t>
+            </a:r>
+            <a:r>
+              <a:rPr lang="ko-KR" altLang="en-US" dirty="0" smtClean="0"/>
+              <a:t>출력물과 유사하게 </a:t>
+            </a:r>
+            <a:r>
+              <a:rPr lang="ko-KR" altLang="en-US" dirty="0" smtClean="0"/>
+              <a:t>지정하고</a:t>
+            </a:r>
+            <a:r>
+              <a:rPr lang="en-US" altLang="ko-KR" dirty="0" smtClean="0"/>
+              <a:t>, </a:t>
+            </a:r>
+            <a:r>
+              <a:rPr lang="ko-KR" altLang="en-US" dirty="0" smtClean="0"/>
+              <a:t>글자에 그림자 효과를 추가합니다</a:t>
+            </a:r>
+            <a:r>
+              <a:rPr lang="en-US" altLang="ko-KR" dirty="0" smtClean="0"/>
+              <a:t>.</a:t>
+            </a:r>
+            <a:endParaRPr lang="ko-KR" altLang="en-US" dirty="0"/>
+          </a:p>
+        </p:txBody>
+      </p:sp>
+      <p:sp>
+        <p:nvSpPr>
+          <p:cNvPr id="9" name="직사각형 8"/>
+          <p:cNvSpPr/>
+          <p:nvPr/>
+        </p:nvSpPr>
+        <p:spPr>
+          <a:xfrm>
+            <a:off x="975403" y="1124744"/>
+            <a:ext cx="7433981" cy="923330"/>
+          </a:xfrm>
+          <a:prstGeom prst="rect">
+            <a:avLst/>
+          </a:prstGeom>
+        </p:spPr>
+        <p:txBody>
+          <a:bodyPr wrap="square">
+            <a:spAutoFit/>
+          </a:bodyPr>
+          <a:lstStyle/>
+          <a:p>
+            <a:r>
+              <a:rPr lang="en-US" altLang="ko-KR" dirty="0" smtClean="0"/>
+              <a:t>----------------------------------------------------------------------</a:t>
+            </a:r>
+            <a:r>
+              <a:rPr lang="ko-KR" altLang="en-US" dirty="0" smtClean="0"/>
+              <a:t> </a:t>
+            </a:r>
+            <a:endParaRPr lang="en-US" altLang="ko-KR" dirty="0" smtClean="0"/>
+          </a:p>
+          <a:p>
+            <a:r>
+              <a:rPr lang="ko-KR" altLang="en-US" dirty="0"/>
+              <a:t> </a:t>
+            </a:r>
+            <a:r>
+              <a:rPr lang="ko-KR" altLang="en-US" dirty="0" smtClean="0"/>
+              <a:t> </a:t>
+            </a:r>
+            <a:r>
+              <a:rPr lang="ko-KR" altLang="en-US" sz="1600" dirty="0" smtClean="0"/>
+              <a:t>아래의 조건을 적용한 </a:t>
+            </a:r>
+            <a:r>
+              <a:rPr lang="en-US" altLang="ko-KR" sz="1600" dirty="0" smtClean="0"/>
+              <a:t>position_ex.html </a:t>
+            </a:r>
+            <a:r>
+              <a:rPr lang="ko-KR" altLang="en-US" sz="1600" dirty="0" smtClean="0"/>
+              <a:t>문서를 만들어 보세요</a:t>
+            </a:r>
+            <a:endParaRPr lang="en-US" altLang="ko-KR" dirty="0" smtClean="0"/>
+          </a:p>
+          <a:p>
+            <a:r>
+              <a:rPr lang="en-US" altLang="ko-KR" dirty="0" smtClean="0"/>
+              <a:t>----------------------------------------------------------------------</a:t>
+            </a:r>
+            <a:endParaRPr lang="ko-KR" altLang="en-US" dirty="0"/>
+          </a:p>
+        </p:txBody>
+      </p:sp>
+    </p:spTree>
+    <p:extLst>
+      <p:ext uri="{BB962C8B-B14F-4D97-AF65-F5344CB8AC3E}">
+        <p14:creationId xmlns:p14="http://schemas.microsoft.com/office/powerpoint/2010/main" val="2511377144"/>
+      </p:ext>
+    </p:extLst>
+  </p:cSld>
+  <p:clrMapOvr>
+    <a:masterClrMapping/>
+  </p:clrMapOvr>
+  <p:timing>
+    <p:tnLst>
+      <p:par>
+        <p:cTn id="1" dur="indefinite" restart="never" nodeType="tmRoot"/>
+      </p:par>
+    </p:tnLst>
+  </p:timing>
+</p:sld>
+</file>
+
+<file path=ppt/slides/slide28.xml><?xml version="1.0" encoding="utf-8"?>
 <p:sld xmlns:a="http://schemas.openxmlformats.org/drawingml/2006/main" xmlns:r="http://schemas.openxmlformats.org/officeDocument/2006/relationships" xmlns:p="http://schemas.openxmlformats.org/presentationml/2006/main">
   <p:cSld>
     <p:spTree>
@@ -9527,7 +10425,7 @@
           <a:p>
             <a:fld id="{1BDE3FE7-3AEA-4B05-AC5A-802D1816ACF0}" type="slidenum">
               <a:rPr lang="ko-KR" altLang="en-US" smtClean="0"/>
-              <a:t>26</a:t>
+              <a:t>28</a:t>
             </a:fld>
             <a:endParaRPr lang="ko-KR" altLang="en-US"/>
           </a:p>
@@ -9733,370 +10631,6 @@
     <p:extLst>
       <p:ext uri="{BB962C8B-B14F-4D97-AF65-F5344CB8AC3E}">
         <p14:creationId xmlns:p14="http://schemas.microsoft.com/office/powerpoint/2010/main" val="533723841"/>
-      </p:ext>
-    </p:extLst>
-  </p:cSld>
-  <p:clrMapOvr>
-    <a:masterClrMapping/>
-  </p:clrMapOvr>
-  <p:timing>
-    <p:tnLst>
-      <p:par>
-        <p:cTn id="1" dur="indefinite" restart="never" nodeType="tmRoot"/>
-      </p:par>
-    </p:tnLst>
-  </p:timing>
-</p:sld>
-</file>
-
-<file path=ppt/slides/slide27.xml><?xml version="1.0" encoding="utf-8"?>
-<p:sld xmlns:a="http://schemas.openxmlformats.org/drawingml/2006/main" xmlns:r="http://schemas.openxmlformats.org/officeDocument/2006/relationships" xmlns:p="http://schemas.openxmlformats.org/presentationml/2006/main">
-  <p:cSld>
-    <p:spTree>
-      <p:nvGrpSpPr>
-        <p:cNvPr id="1" name=""/>
-        <p:cNvGrpSpPr/>
-        <p:nvPr/>
-      </p:nvGrpSpPr>
-      <p:grpSpPr>
-        <a:xfrm>
-          <a:off x="0" y="0"/>
-          <a:ext cx="0" cy="0"/>
-          <a:chOff x="0" y="0"/>
-          <a:chExt cx="0" cy="0"/>
-        </a:xfrm>
-      </p:grpSpPr>
-      <p:sp>
-        <p:nvSpPr>
-          <p:cNvPr id="2" name="제목 1"/>
-          <p:cNvSpPr>
-            <a:spLocks noGrp="1"/>
-          </p:cNvSpPr>
-          <p:nvPr>
-            <p:ph type="title"/>
-          </p:nvPr>
-        </p:nvSpPr>
-        <p:spPr>
-          <a:xfrm>
-            <a:off x="416497" y="197768"/>
-            <a:ext cx="6412780" cy="854968"/>
-          </a:xfrm>
-        </p:spPr>
-        <p:txBody>
-          <a:bodyPr>
-            <a:noAutofit/>
-          </a:bodyPr>
-          <a:lstStyle/>
-          <a:p>
-            <a:pPr algn="ctr"/>
-            <a:r>
-              <a:rPr lang="en-US" altLang="ko-KR" sz="2800" dirty="0"/>
-              <a:t>position </a:t>
-            </a:r>
-            <a:r>
-              <a:rPr lang="ko-KR" altLang="en-US" sz="2800" dirty="0"/>
-              <a:t>속성</a:t>
-            </a:r>
-          </a:p>
-        </p:txBody>
-      </p:sp>
-      <p:sp>
-        <p:nvSpPr>
-          <p:cNvPr id="4" name="슬라이드 번호 개체 틀 3"/>
-          <p:cNvSpPr>
-            <a:spLocks noGrp="1"/>
-          </p:cNvSpPr>
-          <p:nvPr>
-            <p:ph type="sldNum" sz="quarter" idx="12"/>
-          </p:nvPr>
-        </p:nvSpPr>
-        <p:spPr/>
-        <p:txBody>
-          <a:bodyPr/>
-          <a:lstStyle/>
-          <a:p>
-            <a:fld id="{1BDE3FE7-3AEA-4B05-AC5A-802D1816ACF0}" type="slidenum">
-              <a:rPr lang="ko-KR" altLang="en-US" smtClean="0"/>
-              <a:t>27</a:t>
-            </a:fld>
-            <a:endParaRPr lang="ko-KR" altLang="en-US"/>
-          </a:p>
-        </p:txBody>
-      </p:sp>
-      <p:sp>
-        <p:nvSpPr>
-          <p:cNvPr id="8" name="TextBox 7"/>
-          <p:cNvSpPr txBox="1"/>
-          <p:nvPr/>
-        </p:nvSpPr>
-        <p:spPr>
-          <a:xfrm>
-            <a:off x="704528" y="1196752"/>
-            <a:ext cx="8928992" cy="494494"/>
-          </a:xfrm>
-          <a:prstGeom prst="rect">
-            <a:avLst/>
-          </a:prstGeom>
-          <a:noFill/>
-        </p:spPr>
-        <p:txBody>
-          <a:bodyPr wrap="square" rtlCol="0">
-            <a:spAutoFit/>
-          </a:bodyPr>
-          <a:lstStyle/>
-          <a:p>
-            <a:pPr>
-              <a:lnSpc>
-                <a:spcPct val="150000"/>
-              </a:lnSpc>
-            </a:pPr>
-            <a:r>
-              <a:rPr lang="ko-KR" altLang="en-US" dirty="0"/>
-              <a:t> </a:t>
-            </a:r>
-            <a:r>
-              <a:rPr lang="ko-KR" altLang="en-US" dirty="0" smtClean="0"/>
-              <a:t>   </a:t>
-            </a:r>
-            <a:r>
-              <a:rPr lang="en-US" altLang="ko-KR" sz="2000" b="1" dirty="0" smtClean="0"/>
-              <a:t>fixed </a:t>
-            </a:r>
-            <a:r>
-              <a:rPr lang="ko-KR" altLang="en-US" sz="2000" b="1" dirty="0" smtClean="0"/>
-              <a:t>속성</a:t>
-            </a:r>
-            <a:r>
-              <a:rPr lang="ko-KR" altLang="en-US" dirty="0" smtClean="0"/>
-              <a:t> </a:t>
-            </a:r>
-            <a:endParaRPr lang="en-US" altLang="ko-KR" dirty="0" smtClean="0"/>
-          </a:p>
-        </p:txBody>
-      </p:sp>
-      <p:pic>
-        <p:nvPicPr>
-          <p:cNvPr id="5" name="그림 4"/>
-          <p:cNvPicPr>
-            <a:picLocks noChangeAspect="1"/>
-          </p:cNvPicPr>
-          <p:nvPr/>
-        </p:nvPicPr>
-        <p:blipFill>
-          <a:blip r:embed="rId2">
-            <a:extLst>
-              <a:ext uri="{28A0092B-C50C-407E-A947-70E740481C1C}">
-                <a14:useLocalDpi xmlns:a14="http://schemas.microsoft.com/office/drawing/2010/main" val="0"/>
-              </a:ext>
-            </a:extLst>
-          </a:blip>
-          <a:stretch>
-            <a:fillRect/>
-          </a:stretch>
-        </p:blipFill>
-        <p:spPr>
-          <a:xfrm>
-            <a:off x="1064568" y="1844824"/>
-            <a:ext cx="8208912" cy="3896963"/>
-          </a:xfrm>
-          <a:prstGeom prst="rect">
-            <a:avLst/>
-          </a:prstGeom>
-          <a:ln>
-            <a:solidFill>
-              <a:schemeClr val="bg1">
-                <a:lumMod val="85000"/>
-              </a:schemeClr>
-            </a:solidFill>
-          </a:ln>
-        </p:spPr>
-      </p:pic>
-    </p:spTree>
-    <p:extLst>
-      <p:ext uri="{BB962C8B-B14F-4D97-AF65-F5344CB8AC3E}">
-        <p14:creationId xmlns:p14="http://schemas.microsoft.com/office/powerpoint/2010/main" val="3632724591"/>
-      </p:ext>
-    </p:extLst>
-  </p:cSld>
-  <p:clrMapOvr>
-    <a:masterClrMapping/>
-  </p:clrMapOvr>
-  <p:timing>
-    <p:tnLst>
-      <p:par>
-        <p:cTn id="1" dur="indefinite" restart="never" nodeType="tmRoot"/>
-      </p:par>
-    </p:tnLst>
-  </p:timing>
-</p:sld>
-</file>
-
-<file path=ppt/slides/slide28.xml><?xml version="1.0" encoding="utf-8"?>
-<p:sld xmlns:a="http://schemas.openxmlformats.org/drawingml/2006/main" xmlns:r="http://schemas.openxmlformats.org/officeDocument/2006/relationships" xmlns:p="http://schemas.openxmlformats.org/presentationml/2006/main">
-  <p:cSld>
-    <p:spTree>
-      <p:nvGrpSpPr>
-        <p:cNvPr id="1" name=""/>
-        <p:cNvGrpSpPr/>
-        <p:nvPr/>
-      </p:nvGrpSpPr>
-      <p:grpSpPr>
-        <a:xfrm>
-          <a:off x="0" y="0"/>
-          <a:ext cx="0" cy="0"/>
-          <a:chOff x="0" y="0"/>
-          <a:chExt cx="0" cy="0"/>
-        </a:xfrm>
-      </p:grpSpPr>
-      <p:sp>
-        <p:nvSpPr>
-          <p:cNvPr id="2" name="제목 1"/>
-          <p:cNvSpPr>
-            <a:spLocks noGrp="1"/>
-          </p:cNvSpPr>
-          <p:nvPr>
-            <p:ph type="title"/>
-          </p:nvPr>
-        </p:nvSpPr>
-        <p:spPr>
-          <a:xfrm>
-            <a:off x="416497" y="197768"/>
-            <a:ext cx="6412780" cy="854968"/>
-          </a:xfrm>
-        </p:spPr>
-        <p:txBody>
-          <a:bodyPr>
-            <a:noAutofit/>
-          </a:bodyPr>
-          <a:lstStyle/>
-          <a:p>
-            <a:pPr algn="ctr"/>
-            <a:r>
-              <a:rPr lang="en-US" altLang="ko-KR" sz="2800" dirty="0"/>
-              <a:t>position </a:t>
-            </a:r>
-            <a:r>
-              <a:rPr lang="ko-KR" altLang="en-US" sz="2800" dirty="0"/>
-              <a:t>속성</a:t>
-            </a:r>
-          </a:p>
-        </p:txBody>
-      </p:sp>
-      <p:sp>
-        <p:nvSpPr>
-          <p:cNvPr id="4" name="슬라이드 번호 개체 틀 3"/>
-          <p:cNvSpPr>
-            <a:spLocks noGrp="1"/>
-          </p:cNvSpPr>
-          <p:nvPr>
-            <p:ph type="sldNum" sz="quarter" idx="12"/>
-          </p:nvPr>
-        </p:nvSpPr>
-        <p:spPr/>
-        <p:txBody>
-          <a:bodyPr/>
-          <a:lstStyle/>
-          <a:p>
-            <a:fld id="{1BDE3FE7-3AEA-4B05-AC5A-802D1816ACF0}" type="slidenum">
-              <a:rPr lang="ko-KR" altLang="en-US" smtClean="0"/>
-              <a:t>28</a:t>
-            </a:fld>
-            <a:endParaRPr lang="ko-KR" altLang="en-US"/>
-          </a:p>
-        </p:txBody>
-      </p:sp>
-      <p:sp>
-        <p:nvSpPr>
-          <p:cNvPr id="8" name="TextBox 7"/>
-          <p:cNvSpPr txBox="1"/>
-          <p:nvPr/>
-        </p:nvSpPr>
-        <p:spPr>
-          <a:xfrm>
-            <a:off x="704528" y="1196752"/>
-            <a:ext cx="8928992" cy="494494"/>
-          </a:xfrm>
-          <a:prstGeom prst="rect">
-            <a:avLst/>
-          </a:prstGeom>
-          <a:noFill/>
-        </p:spPr>
-        <p:txBody>
-          <a:bodyPr wrap="square" rtlCol="0">
-            <a:spAutoFit/>
-          </a:bodyPr>
-          <a:lstStyle/>
-          <a:p>
-            <a:pPr>
-              <a:lnSpc>
-                <a:spcPct val="150000"/>
-              </a:lnSpc>
-            </a:pPr>
-            <a:r>
-              <a:rPr lang="ko-KR" altLang="en-US" dirty="0"/>
-              <a:t> </a:t>
-            </a:r>
-            <a:r>
-              <a:rPr lang="ko-KR" altLang="en-US" dirty="0" smtClean="0"/>
-              <a:t>   </a:t>
-            </a:r>
-            <a:r>
-              <a:rPr lang="en-US" altLang="ko-KR" sz="2000" b="1" dirty="0" smtClean="0"/>
-              <a:t>fixed </a:t>
-            </a:r>
-            <a:r>
-              <a:rPr lang="ko-KR" altLang="en-US" sz="2000" b="1" dirty="0" smtClean="0"/>
-              <a:t>속성</a:t>
-            </a:r>
-            <a:r>
-              <a:rPr lang="ko-KR" altLang="en-US" dirty="0" smtClean="0"/>
-              <a:t> </a:t>
-            </a:r>
-            <a:endParaRPr lang="en-US" altLang="ko-KR" dirty="0" smtClean="0"/>
-          </a:p>
-        </p:txBody>
-      </p:sp>
-      <p:pic>
-        <p:nvPicPr>
-          <p:cNvPr id="3" name="그림 2"/>
-          <p:cNvPicPr>
-            <a:picLocks noChangeAspect="1"/>
-          </p:cNvPicPr>
-          <p:nvPr/>
-        </p:nvPicPr>
-        <p:blipFill>
-          <a:blip r:embed="rId2">
-            <a:extLst>
-              <a:ext uri="{28A0092B-C50C-407E-A947-70E740481C1C}">
-                <a14:useLocalDpi xmlns:a14="http://schemas.microsoft.com/office/drawing/2010/main" val="0"/>
-              </a:ext>
-            </a:extLst>
-          </a:blip>
-          <a:stretch>
-            <a:fillRect/>
-          </a:stretch>
-        </p:blipFill>
-        <p:spPr>
-          <a:xfrm>
-            <a:off x="1352600" y="1844824"/>
-            <a:ext cx="4298053" cy="2507197"/>
-          </a:xfrm>
-          <a:prstGeom prst="rect">
-            <a:avLst/>
-          </a:prstGeom>
-          <a:ln>
-            <a:solidFill>
-              <a:schemeClr val="bg1">
-                <a:lumMod val="85000"/>
-              </a:schemeClr>
-            </a:solidFill>
-          </a:ln>
-        </p:spPr>
-      </p:pic>
-    </p:spTree>
-    <p:extLst>
-      <p:ext uri="{BB962C8B-B14F-4D97-AF65-F5344CB8AC3E}">
-        <p14:creationId xmlns:p14="http://schemas.microsoft.com/office/powerpoint/2010/main" val="2627708516"/>
       </p:ext>
     </p:extLst>
   </p:cSld>
@@ -10130,6 +10664,114 @@
           <a:chExt cx="0" cy="0"/>
         </a:xfrm>
       </p:grpSpPr>
+      <p:sp>
+        <p:nvSpPr>
+          <p:cNvPr id="2" name="제목 1"/>
+          <p:cNvSpPr>
+            <a:spLocks noGrp="1"/>
+          </p:cNvSpPr>
+          <p:nvPr>
+            <p:ph type="title"/>
+          </p:nvPr>
+        </p:nvSpPr>
+        <p:spPr>
+          <a:xfrm>
+            <a:off x="416497" y="197768"/>
+            <a:ext cx="6412780" cy="854968"/>
+          </a:xfrm>
+        </p:spPr>
+        <p:txBody>
+          <a:bodyPr>
+            <a:noAutofit/>
+          </a:bodyPr>
+          <a:lstStyle/>
+          <a:p>
+            <a:pPr algn="ctr"/>
+            <a:r>
+              <a:rPr lang="en-US" altLang="ko-KR" sz="2800" dirty="0"/>
+              <a:t>position </a:t>
+            </a:r>
+            <a:r>
+              <a:rPr lang="ko-KR" altLang="en-US" sz="2800" dirty="0"/>
+              <a:t>속성</a:t>
+            </a:r>
+          </a:p>
+        </p:txBody>
+      </p:sp>
+      <p:sp>
+        <p:nvSpPr>
+          <p:cNvPr id="4" name="슬라이드 번호 개체 틀 3"/>
+          <p:cNvSpPr>
+            <a:spLocks noGrp="1"/>
+          </p:cNvSpPr>
+          <p:nvPr>
+            <p:ph type="sldNum" sz="quarter" idx="12"/>
+          </p:nvPr>
+        </p:nvSpPr>
+        <p:spPr/>
+        <p:txBody>
+          <a:bodyPr/>
+          <a:lstStyle/>
+          <a:p>
+            <a:fld id="{1BDE3FE7-3AEA-4B05-AC5A-802D1816ACF0}" type="slidenum">
+              <a:rPr lang="ko-KR" altLang="en-US" smtClean="0"/>
+              <a:t>29</a:t>
+            </a:fld>
+            <a:endParaRPr lang="ko-KR" altLang="en-US"/>
+          </a:p>
+        </p:txBody>
+      </p:sp>
+      <p:sp>
+        <p:nvSpPr>
+          <p:cNvPr id="8" name="TextBox 7"/>
+          <p:cNvSpPr txBox="1"/>
+          <p:nvPr/>
+        </p:nvSpPr>
+        <p:spPr>
+          <a:xfrm>
+            <a:off x="704528" y="1196752"/>
+            <a:ext cx="8928992" cy="494494"/>
+          </a:xfrm>
+          <a:prstGeom prst="rect">
+            <a:avLst/>
+          </a:prstGeom>
+          <a:noFill/>
+        </p:spPr>
+        <p:txBody>
+          <a:bodyPr wrap="square" rtlCol="0">
+            <a:spAutoFit/>
+          </a:bodyPr>
+          <a:lstStyle/>
+          <a:p>
+            <a:pPr>
+              <a:lnSpc>
+                <a:spcPct val="150000"/>
+              </a:lnSpc>
+            </a:pPr>
+            <a:r>
+              <a:rPr lang="ko-KR" altLang="en-US" dirty="0"/>
+              <a:t> </a:t>
+            </a:r>
+            <a:r>
+              <a:rPr lang="ko-KR" altLang="en-US" dirty="0" smtClean="0"/>
+              <a:t>   </a:t>
+            </a:r>
+            <a:r>
+              <a:rPr lang="en-US" altLang="ko-KR" sz="2000" b="1" dirty="0" smtClean="0"/>
+              <a:t>fixed </a:t>
+            </a:r>
+            <a:r>
+              <a:rPr lang="ko-KR" altLang="en-US" sz="2000" b="1" dirty="0" smtClean="0"/>
+              <a:t>속성</a:t>
+            </a:r>
+            <a:r>
+              <a:rPr lang="ko-KR" altLang="en-US" dirty="0" smtClean="0"/>
+              <a:t> </a:t>
+            </a:r>
+            <a:endParaRPr lang="en-US" altLang="ko-KR" dirty="0" smtClean="0"/>
+          </a:p>
+        </p:txBody>
+      </p:sp>
       <p:pic>
         <p:nvPicPr>
           <p:cNvPr id="5" name="그림 4"/>
@@ -10152,8 +10794,8 @@
         </p:blipFill>
         <p:spPr>
           <a:xfrm>
-            <a:off x="1208584" y="1844824"/>
-            <a:ext cx="7557814" cy="3600400"/>
+            <a:off x="1064568" y="1844824"/>
+            <a:ext cx="8208912" cy="3896963"/>
           </a:xfrm>
           <a:prstGeom prst="rect">
             <a:avLst/>
@@ -10167,118 +10809,10 @@
           </a:ln>
         </p:spPr>
       </p:pic>
-      <p:sp>
-        <p:nvSpPr>
-          <p:cNvPr id="2" name="제목 1"/>
-          <p:cNvSpPr>
-            <a:spLocks noGrp="1"/>
-          </p:cNvSpPr>
-          <p:nvPr>
-            <p:ph type="title"/>
-          </p:nvPr>
-        </p:nvSpPr>
-        <p:spPr>
-          <a:xfrm>
-            <a:off x="416497" y="197768"/>
-            <a:ext cx="6412780" cy="854968"/>
-          </a:xfrm>
-        </p:spPr>
-        <p:txBody>
-          <a:bodyPr>
-            <a:noAutofit/>
-          </a:bodyPr>
-          <a:lstStyle/>
-          <a:p>
-            <a:pPr algn="ctr"/>
-            <a:r>
-              <a:rPr lang="en-US" altLang="ko-KR" sz="2800" dirty="0"/>
-              <a:t>position </a:t>
-            </a:r>
-            <a:r>
-              <a:rPr lang="ko-KR" altLang="en-US" sz="2800" dirty="0"/>
-              <a:t>속성</a:t>
-            </a:r>
-          </a:p>
-        </p:txBody>
-      </p:sp>
-      <p:sp>
-        <p:nvSpPr>
-          <p:cNvPr id="4" name="슬라이드 번호 개체 틀 3"/>
-          <p:cNvSpPr>
-            <a:spLocks noGrp="1"/>
-          </p:cNvSpPr>
-          <p:nvPr>
-            <p:ph type="sldNum" sz="quarter" idx="12"/>
-          </p:nvPr>
-        </p:nvSpPr>
-        <p:spPr/>
-        <p:txBody>
-          <a:bodyPr/>
-          <a:lstStyle/>
-          <a:p>
-            <a:fld id="{1BDE3FE7-3AEA-4B05-AC5A-802D1816ACF0}" type="slidenum">
-              <a:rPr lang="ko-KR" altLang="en-US" smtClean="0"/>
-              <a:t>29</a:t>
-            </a:fld>
-            <a:endParaRPr lang="ko-KR" altLang="en-US"/>
-          </a:p>
-        </p:txBody>
-      </p:sp>
-      <p:sp>
-        <p:nvSpPr>
-          <p:cNvPr id="8" name="TextBox 7"/>
-          <p:cNvSpPr txBox="1"/>
-          <p:nvPr/>
-        </p:nvSpPr>
-        <p:spPr>
-          <a:xfrm>
-            <a:off x="704528" y="1196752"/>
-            <a:ext cx="8928992" cy="494494"/>
-          </a:xfrm>
-          <a:prstGeom prst="rect">
-            <a:avLst/>
-          </a:prstGeom>
-          <a:noFill/>
-        </p:spPr>
-        <p:txBody>
-          <a:bodyPr wrap="square" rtlCol="0">
-            <a:spAutoFit/>
-          </a:bodyPr>
-          <a:lstStyle/>
-          <a:p>
-            <a:pPr>
-              <a:lnSpc>
-                <a:spcPct val="150000"/>
-              </a:lnSpc>
-            </a:pPr>
-            <a:r>
-              <a:rPr lang="ko-KR" altLang="en-US" dirty="0"/>
-              <a:t> </a:t>
-            </a:r>
-            <a:r>
-              <a:rPr lang="ko-KR" altLang="en-US" dirty="0" smtClean="0"/>
-              <a:t>   </a:t>
-            </a:r>
-            <a:r>
-              <a:rPr lang="en-US" altLang="ko-KR" sz="2000" b="1" dirty="0" smtClean="0"/>
-              <a:t>fixed </a:t>
-            </a:r>
-            <a:r>
-              <a:rPr lang="ko-KR" altLang="en-US" sz="2000" b="1" dirty="0" smtClean="0"/>
-              <a:t>속성</a:t>
-            </a:r>
-            <a:r>
-              <a:rPr lang="ko-KR" altLang="en-US" dirty="0" smtClean="0"/>
-              <a:t> </a:t>
-            </a:r>
-            <a:endParaRPr lang="en-US" altLang="ko-KR" dirty="0" smtClean="0"/>
-          </a:p>
-        </p:txBody>
-      </p:sp>
     </p:spTree>
     <p:extLst>
       <p:ext uri="{BB962C8B-B14F-4D97-AF65-F5344CB8AC3E}">
-        <p14:creationId xmlns:p14="http://schemas.microsoft.com/office/powerpoint/2010/main" val="684821978"/>
+        <p14:creationId xmlns:p14="http://schemas.microsoft.com/office/powerpoint/2010/main" val="3632724591"/>
       </p:ext>
     </p:extLst>
   </p:cSld>
@@ -10703,18 +11237,13 @@
           <a:p>
             <a:pPr algn="ctr"/>
             <a:r>
-              <a:rPr lang="en-US" altLang="ko-KR" sz="2800" dirty="0" smtClean="0"/>
-              <a:t>CSS</a:t>
+              <a:rPr lang="en-US" altLang="ko-KR" sz="2800" dirty="0"/>
+              <a:t>position </a:t>
             </a:r>
             <a:r>
               <a:rPr lang="ko-KR" altLang="en-US" sz="2800" dirty="0"/>
-              <a:t> </a:t>
-            </a:r>
-            <a:r>
-              <a:rPr lang="ko-KR" altLang="en-US" sz="2800" dirty="0" err="1" smtClean="0"/>
-              <a:t>포지셔닝</a:t>
-            </a:r>
-            <a:endParaRPr lang="ko-KR" altLang="en-US" sz="2800" dirty="0"/>
+              <a:t>속성</a:t>
+            </a:r>
           </a:p>
         </p:txBody>
       </p:sp>
@@ -10741,9 +11270,60 @@
           </a:p>
         </p:txBody>
       </p:sp>
+      <p:sp>
+        <p:nvSpPr>
+          <p:cNvPr id="8" name="TextBox 7"/>
+          <p:cNvSpPr txBox="1"/>
+          <p:nvPr/>
+        </p:nvSpPr>
+        <p:spPr>
+          <a:xfrm>
+            <a:off x="704528" y="1196752"/>
+            <a:ext cx="8928992" cy="494494"/>
+          </a:xfrm>
+          <a:prstGeom prst="rect">
+            <a:avLst/>
+          </a:prstGeom>
+          <a:noFill/>
+        </p:spPr>
+        <p:txBody>
+          <a:bodyPr wrap="square" rtlCol="0">
+            <a:spAutoFit/>
+          </a:bodyPr>
+          <a:lstStyle/>
+          <a:p>
+            <a:pPr>
+              <a:lnSpc>
+                <a:spcPct val="150000"/>
+              </a:lnSpc>
+            </a:pPr>
+            <a:r>
+              <a:rPr lang="ko-KR" altLang="en-US" dirty="0"/>
+              <a:t> </a:t>
+            </a:r>
+            <a:r>
+              <a:rPr lang="ko-KR" altLang="en-US" dirty="0" smtClean="0"/>
+              <a:t>   </a:t>
+            </a:r>
+            <a:r>
+              <a:rPr lang="en-US" altLang="ko-KR" sz="2000" b="1" dirty="0" smtClean="0"/>
+              <a:t>fixed </a:t>
+            </a:r>
+            <a:r>
+              <a:rPr lang="ko-KR" altLang="en-US" sz="2000" b="1" dirty="0" smtClean="0"/>
+              <a:t>속성</a:t>
+            </a:r>
+            <a:r>
+              <a:rPr lang="ko-KR" altLang="en-US" dirty="0" smtClean="0"/>
+              <a:t> </a:t>
+            </a:r>
+            <a:endParaRPr lang="en-US" altLang="ko-KR" dirty="0" smtClean="0"/>
+          </a:p>
+        </p:txBody>
+      </p:sp>
       <p:pic>
         <p:nvPicPr>
-          <p:cNvPr id="3" name="그림 2"/>
+          <p:cNvPr id="5" name="그림 4"/>
           <p:cNvPicPr>
             <a:picLocks noChangeAspect="1"/>
           </p:cNvPicPr>
@@ -10763,8 +11343,8 @@
         </p:blipFill>
         <p:spPr>
           <a:xfrm>
-            <a:off x="1424608" y="1556792"/>
-            <a:ext cx="5832648" cy="3748543"/>
+            <a:off x="1928663" y="1988840"/>
+            <a:ext cx="4701467" cy="2736304"/>
           </a:xfrm>
           <a:prstGeom prst="rect">
             <a:avLst/>
@@ -10778,48 +11358,10 @@
           </a:ln>
         </p:spPr>
       </p:pic>
-      <p:sp>
-        <p:nvSpPr>
-          <p:cNvPr id="8" name="TextBox 7"/>
-          <p:cNvSpPr txBox="1"/>
-          <p:nvPr/>
-        </p:nvSpPr>
-        <p:spPr>
-          <a:xfrm>
-            <a:off x="7257256" y="2276872"/>
-            <a:ext cx="1584176" cy="369332"/>
-          </a:xfrm>
-          <a:prstGeom prst="rect">
-            <a:avLst/>
-          </a:prstGeom>
-          <a:noFill/>
-        </p:spPr>
-        <p:txBody>
-          <a:bodyPr wrap="square" rtlCol="0">
-            <a:spAutoFit/>
-          </a:bodyPr>
-          <a:lstStyle/>
-          <a:p>
-            <a:r>
-              <a:rPr lang="en-US" altLang="ko-KR" dirty="0" smtClean="0">
-                <a:solidFill>
-                  <a:srgbClr val="FF0000"/>
-                </a:solidFill>
-              </a:rPr>
-              <a:t>anchor.html</a:t>
-            </a:r>
-            <a:endParaRPr lang="ko-KR" altLang="en-US" dirty="0">
-              <a:solidFill>
-                <a:srgbClr val="FF0000"/>
-              </a:solidFill>
-            </a:endParaRPr>
-          </a:p>
-        </p:txBody>
-      </p:sp>
     </p:spTree>
     <p:extLst>
       <p:ext uri="{BB962C8B-B14F-4D97-AF65-F5344CB8AC3E}">
-        <p14:creationId xmlns:p14="http://schemas.microsoft.com/office/powerpoint/2010/main" val="2173324344"/>
+        <p14:creationId xmlns:p14="http://schemas.microsoft.com/office/powerpoint/2010/main" val="2627708516"/>
       </p:ext>
     </p:extLst>
   </p:cSld>
@@ -10853,68 +11395,6 @@
           <a:chExt cx="0" cy="0"/>
         </a:xfrm>
       </p:grpSpPr>
-      <p:sp>
-        <p:nvSpPr>
-          <p:cNvPr id="2" name="제목 1"/>
-          <p:cNvSpPr>
-            <a:spLocks noGrp="1"/>
-          </p:cNvSpPr>
-          <p:nvPr>
-            <p:ph type="title"/>
-          </p:nvPr>
-        </p:nvSpPr>
-        <p:spPr>
-          <a:xfrm>
-            <a:off x="416497" y="197768"/>
-            <a:ext cx="6412780" cy="854968"/>
-          </a:xfrm>
-        </p:spPr>
-        <p:txBody>
-          <a:bodyPr>
-            <a:noAutofit/>
-          </a:bodyPr>
-          <a:lstStyle/>
-          <a:p>
-            <a:pPr algn="ctr"/>
-            <a:r>
-              <a:rPr lang="en-US" altLang="ko-KR" sz="2800" dirty="0" smtClean="0"/>
-              <a:t>CSS</a:t>
-            </a:r>
-            <a:r>
-              <a:rPr lang="ko-KR" altLang="en-US" sz="2800" dirty="0"/>
-              <a:t> </a:t>
-            </a:r>
-            <a:r>
-              <a:rPr lang="ko-KR" altLang="en-US" sz="2800" dirty="0" err="1" smtClean="0"/>
-              <a:t>포지셔닝</a:t>
-            </a:r>
-            <a:endParaRPr lang="ko-KR" altLang="en-US" sz="2800" dirty="0"/>
-          </a:p>
-        </p:txBody>
-      </p:sp>
-      <p:sp>
-        <p:nvSpPr>
-          <p:cNvPr id="4" name="슬라이드 번호 개체 틀 3"/>
-          <p:cNvSpPr>
-            <a:spLocks noGrp="1"/>
-          </p:cNvSpPr>
-          <p:nvPr>
-            <p:ph type="sldNum" sz="quarter" idx="12"/>
-          </p:nvPr>
-        </p:nvSpPr>
-        <p:spPr/>
-        <p:txBody>
-          <a:bodyPr/>
-          <a:lstStyle/>
-          <a:p>
-            <a:fld id="{1BDE3FE7-3AEA-4B05-AC5A-802D1816ACF0}" type="slidenum">
-              <a:rPr lang="ko-KR" altLang="en-US" smtClean="0"/>
-              <a:t>31</a:t>
-            </a:fld>
-            <a:endParaRPr lang="ko-KR" altLang="en-US"/>
-          </a:p>
-        </p:txBody>
-      </p:sp>
       <p:pic>
         <p:nvPicPr>
           <p:cNvPr id="5" name="그림 4"/>
@@ -10937,8 +11417,8 @@
         </p:blipFill>
         <p:spPr>
           <a:xfrm>
-            <a:off x="1640633" y="1386290"/>
-            <a:ext cx="5976664" cy="4217575"/>
+            <a:off x="1208584" y="1844824"/>
+            <a:ext cx="7557814" cy="3600400"/>
           </a:xfrm>
           <a:prstGeom prst="rect">
             <a:avLst/>
@@ -10954,14 +11434,71 @@
       </p:pic>
       <p:sp>
         <p:nvSpPr>
-          <p:cNvPr id="6" name="TextBox 5"/>
+          <p:cNvPr id="2" name="제목 1"/>
+          <p:cNvSpPr>
+            <a:spLocks noGrp="1"/>
+          </p:cNvSpPr>
+          <p:nvPr>
+            <p:ph type="title"/>
+          </p:nvPr>
+        </p:nvSpPr>
+        <p:spPr>
+          <a:xfrm>
+            <a:off x="416497" y="197768"/>
+            <a:ext cx="6412780" cy="854968"/>
+          </a:xfrm>
+        </p:spPr>
+        <p:txBody>
+          <a:bodyPr>
+            <a:noAutofit/>
+          </a:bodyPr>
+          <a:lstStyle/>
+          <a:p>
+            <a:pPr algn="ctr"/>
+            <a:r>
+              <a:rPr lang="en-US" altLang="ko-KR" sz="2800" dirty="0"/>
+              <a:t>position </a:t>
+            </a:r>
+            <a:r>
+              <a:rPr lang="ko-KR" altLang="en-US" sz="2800" dirty="0"/>
+              <a:t>속성</a:t>
+            </a:r>
+          </a:p>
+        </p:txBody>
+      </p:sp>
+      <p:sp>
+        <p:nvSpPr>
+          <p:cNvPr id="4" name="슬라이드 번호 개체 틀 3"/>
+          <p:cNvSpPr>
+            <a:spLocks noGrp="1"/>
+          </p:cNvSpPr>
+          <p:nvPr>
+            <p:ph type="sldNum" sz="quarter" idx="12"/>
+          </p:nvPr>
+        </p:nvSpPr>
+        <p:spPr/>
+        <p:txBody>
+          <a:bodyPr/>
+          <a:lstStyle/>
+          <a:p>
+            <a:fld id="{1BDE3FE7-3AEA-4B05-AC5A-802D1816ACF0}" type="slidenum">
+              <a:rPr lang="ko-KR" altLang="en-US" smtClean="0"/>
+              <a:t>31</a:t>
+            </a:fld>
+            <a:endParaRPr lang="ko-KR" altLang="en-US"/>
+          </a:p>
+        </p:txBody>
+      </p:sp>
+      <p:sp>
+        <p:nvSpPr>
+          <p:cNvPr id="8" name="TextBox 7"/>
           <p:cNvSpPr txBox="1"/>
           <p:nvPr/>
         </p:nvSpPr>
         <p:spPr>
           <a:xfrm>
-            <a:off x="7401272" y="2150105"/>
-            <a:ext cx="1368152" cy="369332"/>
+            <a:off x="704528" y="1196752"/>
+            <a:ext cx="8928992" cy="494494"/>
           </a:xfrm>
           <a:prstGeom prst="rect">
             <a:avLst/>
@@ -10974,34 +11511,39 @@
           </a:bodyPr>
           <a:lstStyle/>
           <a:p>
-            <a:r>
-              <a:rPr lang="en-US" altLang="ko-KR" dirty="0">
-                <a:solidFill>
-                  <a:srgbClr val="FF0000"/>
-                </a:solidFill>
-              </a:rPr>
-              <a:t>a</a:t>
-            </a:r>
-            <a:r>
-              <a:rPr lang="en-US" altLang="ko-KR" dirty="0" smtClean="0">
-                <a:solidFill>
-                  <a:srgbClr val="FF0000"/>
-                </a:solidFill>
-              </a:rPr>
-              <a:t>nchor.css</a:t>
-            </a:r>
-            <a:endParaRPr lang="ko-KR" altLang="en-US" dirty="0">
-              <a:solidFill>
-                <a:srgbClr val="FF0000"/>
-              </a:solidFill>
-            </a:endParaRPr>
+            <a:pPr>
+              <a:lnSpc>
+                <a:spcPct val="150000"/>
+              </a:lnSpc>
+            </a:pPr>
+            <a:r>
+              <a:rPr lang="ko-KR" altLang="en-US" dirty="0"/>
+              <a:t> </a:t>
+            </a:r>
+            <a:r>
+              <a:rPr lang="ko-KR" altLang="en-US" dirty="0" smtClean="0"/>
+              <a:t>   </a:t>
+            </a:r>
+            <a:r>
+              <a:rPr lang="en-US" altLang="ko-KR" sz="2000" b="1" dirty="0" smtClean="0"/>
+              <a:t>fixed </a:t>
+            </a:r>
+            <a:r>
+              <a:rPr lang="ko-KR" altLang="en-US" sz="2000" b="1" dirty="0" smtClean="0"/>
+              <a:t>속성</a:t>
+            </a:r>
+            <a:r>
+              <a:rPr lang="ko-KR" altLang="en-US" dirty="0" smtClean="0"/>
+              <a:t> </a:t>
+            </a:r>
+            <a:endParaRPr lang="en-US" altLang="ko-KR" dirty="0" smtClean="0"/>
           </a:p>
         </p:txBody>
       </p:sp>
     </p:spTree>
     <p:extLst>
       <p:ext uri="{BB962C8B-B14F-4D97-AF65-F5344CB8AC3E}">
-        <p14:creationId xmlns:p14="http://schemas.microsoft.com/office/powerpoint/2010/main" val="1485560498"/>
+        <p14:creationId xmlns:p14="http://schemas.microsoft.com/office/powerpoint/2010/main" val="684821978"/>
       </p:ext>
     </p:extLst>
   </p:cSld>
@@ -11059,13 +11601,18 @@
           <a:p>
             <a:pPr algn="ctr"/>
             <a:r>
-              <a:rPr lang="en-US" altLang="ko-KR" sz="2800" dirty="0"/>
-              <a:t>position </a:t>
+              <a:rPr lang="en-US" altLang="ko-KR" sz="2800" dirty="0" smtClean="0"/>
+              <a:t>CSS</a:t>
             </a:r>
             <a:r>
               <a:rPr lang="ko-KR" altLang="en-US" sz="2800" dirty="0"/>
-              <a:t>속성</a:t>
-            </a:r>
+              <a:t> </a:t>
+            </a:r>
+            <a:r>
+              <a:rPr lang="ko-KR" altLang="en-US" sz="2800" dirty="0" err="1" smtClean="0"/>
+              <a:t>포지셔닝</a:t>
+            </a:r>
+            <a:endParaRPr lang="ko-KR" altLang="en-US" sz="2800" dirty="0"/>
           </a:p>
         </p:txBody>
       </p:sp>
@@ -11092,134 +11639,9 @@
           </a:p>
         </p:txBody>
       </p:sp>
-      <p:sp>
-        <p:nvSpPr>
-          <p:cNvPr id="8" name="TextBox 7"/>
-          <p:cNvSpPr txBox="1"/>
-          <p:nvPr/>
-        </p:nvSpPr>
-        <p:spPr>
-          <a:xfrm>
-            <a:off x="704528" y="1196752"/>
-            <a:ext cx="6696744" cy="1708160"/>
-          </a:xfrm>
-          <a:prstGeom prst="rect">
-            <a:avLst/>
-          </a:prstGeom>
-          <a:noFill/>
-        </p:spPr>
-        <p:txBody>
-          <a:bodyPr wrap="square" rtlCol="0">
-            <a:spAutoFit/>
-          </a:bodyPr>
-          <a:lstStyle/>
-          <a:p>
-            <a:pPr>
-              <a:lnSpc>
-                <a:spcPct val="150000"/>
-              </a:lnSpc>
-            </a:pPr>
-            <a:r>
-              <a:rPr lang="ko-KR" altLang="en-US" dirty="0"/>
-              <a:t> </a:t>
-            </a:r>
-            <a:r>
-              <a:rPr lang="ko-KR" altLang="en-US" dirty="0" smtClean="0"/>
-              <a:t> </a:t>
-            </a:r>
-            <a:r>
-              <a:rPr lang="en-US" altLang="ko-KR" sz="2000" b="1" dirty="0" smtClean="0"/>
-              <a:t>z-index </a:t>
-            </a:r>
-            <a:r>
-              <a:rPr lang="ko-KR" altLang="en-US" sz="2000" b="1" dirty="0" smtClean="0"/>
-              <a:t>속성 </a:t>
-            </a:r>
-            <a:endParaRPr lang="en-US" altLang="ko-KR" dirty="0"/>
-          </a:p>
-          <a:p>
-            <a:pPr>
-              <a:lnSpc>
-                <a:spcPct val="150000"/>
-              </a:lnSpc>
-            </a:pPr>
-            <a:r>
-              <a:rPr lang="en-US" altLang="ko-KR" dirty="0" smtClean="0"/>
-              <a:t>      - </a:t>
-            </a:r>
-            <a:r>
-              <a:rPr lang="ko-KR" altLang="en-US" sz="1600" dirty="0" smtClean="0"/>
-              <a:t>요소 쌓는 순서 정하기</a:t>
-            </a:r>
-            <a:endParaRPr lang="en-US" altLang="ko-KR" sz="1600" dirty="0" smtClean="0"/>
-          </a:p>
-          <a:p>
-            <a:pPr marL="742950" lvl="1" indent="-285750">
-              <a:lnSpc>
-                <a:spcPct val="150000"/>
-              </a:lnSpc>
-              <a:buFontTx/>
-              <a:buChar char="-"/>
-            </a:pPr>
-            <a:r>
-              <a:rPr lang="en-US" altLang="ko-KR" sz="1600" dirty="0" smtClean="0"/>
-              <a:t>z-index </a:t>
-            </a:r>
-            <a:r>
-              <a:rPr lang="ko-KR" altLang="en-US" sz="1600" dirty="0" smtClean="0"/>
-              <a:t>값이 크면 작은 요소보다 위에 쌓인다</a:t>
-            </a:r>
-            <a:r>
-              <a:rPr lang="en-US" altLang="ko-KR" sz="1600" dirty="0" smtClean="0"/>
-              <a:t>.</a:t>
-            </a:r>
-          </a:p>
-          <a:p>
-            <a:pPr marL="742950" lvl="1" indent="-285750">
-              <a:lnSpc>
-                <a:spcPct val="150000"/>
-              </a:lnSpc>
-              <a:buFontTx/>
-              <a:buChar char="-"/>
-            </a:pPr>
-            <a:r>
-              <a:rPr lang="en-US" altLang="ko-KR" sz="1600" dirty="0"/>
-              <a:t>z</a:t>
-            </a:r>
-            <a:r>
-              <a:rPr lang="en-US" altLang="ko-KR" sz="1600" dirty="0" smtClean="0"/>
-              <a:t>-index </a:t>
-            </a:r>
-            <a:r>
-              <a:rPr lang="ko-KR" altLang="en-US" sz="1600" dirty="0" smtClean="0"/>
-              <a:t>값을 명시하지 않으면 </a:t>
-            </a:r>
-            <a:r>
-              <a:rPr lang="en-US" altLang="ko-KR" sz="1600" dirty="0" smtClean="0"/>
-              <a:t>1</a:t>
-            </a:r>
-            <a:r>
-              <a:rPr lang="ko-KR" altLang="en-US" sz="1600" dirty="0" smtClean="0"/>
-              <a:t>부터 시작 </a:t>
-            </a:r>
-            <a:r>
-              <a:rPr lang="en-US" altLang="ko-KR" sz="1600" dirty="0" smtClean="0"/>
-              <a:t>1</a:t>
-            </a:r>
-            <a:r>
-              <a:rPr lang="ko-KR" altLang="en-US" sz="1600" dirty="0" smtClean="0"/>
-              <a:t>씩 커진다</a:t>
-            </a:r>
-            <a:r>
-              <a:rPr lang="en-US" altLang="ko-KR" sz="1600" dirty="0" smtClean="0"/>
-              <a:t>.</a:t>
-            </a:r>
-          </a:p>
-        </p:txBody>
-      </p:sp>
       <p:pic>
         <p:nvPicPr>
-          <p:cNvPr id="7" name="그림 6"/>
+          <p:cNvPr id="3" name="그림 2"/>
           <p:cNvPicPr>
             <a:picLocks noChangeAspect="1"/>
           </p:cNvPicPr>
@@ -11239,38 +11661,8 @@
         </p:blipFill>
         <p:spPr>
           <a:xfrm>
-            <a:off x="1866633" y="3068960"/>
-            <a:ext cx="2057578" cy="2027096"/>
-          </a:xfrm>
-          <a:prstGeom prst="rect">
-            <a:avLst/>
-          </a:prstGeom>
-        </p:spPr>
-      </p:pic>
-      <p:pic>
-        <p:nvPicPr>
-          <p:cNvPr id="10" name="그림 9"/>
-          <p:cNvPicPr>
-            <a:picLocks noChangeAspect="1"/>
-          </p:cNvPicPr>
-          <p:nvPr/>
-        </p:nvPicPr>
-        <p:blipFill>
-          <a:blip r:embed="rId3">
-            <a:extLst>
-              <a:ext uri="{28A0092B-C50C-407E-A947-70E740481C1C}">
-                <a14:useLocalDpi xmlns:a14="http://schemas.microsoft.com/office/drawing/2010/main" val="0"/>
-              </a:ext>
-            </a:extLst>
-          </a:blip>
-          <a:stretch>
-            <a:fillRect/>
-          </a:stretch>
-        </p:blipFill>
-        <p:spPr>
-          <a:xfrm>
-            <a:off x="4592959" y="3429000"/>
-            <a:ext cx="2985059" cy="1152128"/>
+            <a:off x="1424608" y="1556792"/>
+            <a:ext cx="5832648" cy="3748543"/>
           </a:xfrm>
           <a:prstGeom prst="rect">
             <a:avLst/>
@@ -11284,10 +11676,48 @@
           </a:ln>
         </p:spPr>
       </p:pic>
+      <p:sp>
+        <p:nvSpPr>
+          <p:cNvPr id="8" name="TextBox 7"/>
+          <p:cNvSpPr txBox="1"/>
+          <p:nvPr/>
+        </p:nvSpPr>
+        <p:spPr>
+          <a:xfrm>
+            <a:off x="7257256" y="2276872"/>
+            <a:ext cx="1584176" cy="369332"/>
+          </a:xfrm>
+          <a:prstGeom prst="rect">
+            <a:avLst/>
+          </a:prstGeom>
+          <a:noFill/>
+        </p:spPr>
+        <p:txBody>
+          <a:bodyPr wrap="square" rtlCol="0">
+            <a:spAutoFit/>
+          </a:bodyPr>
+          <a:lstStyle/>
+          <a:p>
+            <a:r>
+              <a:rPr lang="en-US" altLang="ko-KR" dirty="0" smtClean="0">
+                <a:solidFill>
+                  <a:srgbClr val="FF0000"/>
+                </a:solidFill>
+              </a:rPr>
+              <a:t>anchor.html</a:t>
+            </a:r>
+            <a:endParaRPr lang="ko-KR" altLang="en-US" dirty="0">
+              <a:solidFill>
+                <a:srgbClr val="FF0000"/>
+              </a:solidFill>
+            </a:endParaRPr>
+          </a:p>
+        </p:txBody>
+      </p:sp>
     </p:spTree>
     <p:extLst>
       <p:ext uri="{BB962C8B-B14F-4D97-AF65-F5344CB8AC3E}">
-        <p14:creationId xmlns:p14="http://schemas.microsoft.com/office/powerpoint/2010/main" val="1962451883"/>
+        <p14:creationId xmlns:p14="http://schemas.microsoft.com/office/powerpoint/2010/main" val="2173324344"/>
       </p:ext>
     </p:extLst>
   </p:cSld>
@@ -11345,13 +11775,18 @@
           <a:p>
             <a:pPr algn="ctr"/>
             <a:r>
-              <a:rPr lang="en-US" altLang="ko-KR" sz="2800" dirty="0"/>
-              <a:t>position </a:t>
+              <a:rPr lang="en-US" altLang="ko-KR" sz="2800" dirty="0" smtClean="0"/>
+              <a:t>CSS</a:t>
             </a:r>
             <a:r>
               <a:rPr lang="ko-KR" altLang="en-US" sz="2800" dirty="0"/>
-              <a:t>속성</a:t>
-            </a:r>
+              <a:t> </a:t>
+            </a:r>
+            <a:r>
+              <a:rPr lang="ko-KR" altLang="en-US" sz="2800" dirty="0" err="1" smtClean="0"/>
+              <a:t>포지셔닝</a:t>
+            </a:r>
+            <a:endParaRPr lang="ko-KR" altLang="en-US" sz="2800" dirty="0"/>
           </a:p>
         </p:txBody>
       </p:sp>
@@ -11380,7 +11815,7 @@
       </p:sp>
       <p:pic>
         <p:nvPicPr>
-          <p:cNvPr id="3" name="그림 2"/>
+          <p:cNvPr id="5" name="그림 4"/>
           <p:cNvPicPr>
             <a:picLocks noChangeAspect="1"/>
           </p:cNvPicPr>
@@ -11400,8 +11835,8 @@
         </p:blipFill>
         <p:spPr>
           <a:xfrm>
-            <a:off x="2360712" y="1412775"/>
-            <a:ext cx="3292956" cy="5112569"/>
+            <a:off x="1640633" y="1386290"/>
+            <a:ext cx="5976664" cy="4217575"/>
           </a:xfrm>
           <a:prstGeom prst="rect">
             <a:avLst/>
@@ -11415,10 +11850,56 @@
           </a:ln>
         </p:spPr>
       </p:pic>
+      <p:sp>
+        <p:nvSpPr>
+          <p:cNvPr id="6" name="TextBox 5"/>
+          <p:cNvSpPr txBox="1"/>
+          <p:nvPr/>
+        </p:nvSpPr>
+        <p:spPr>
+          <a:xfrm>
+            <a:off x="7401272" y="2150105"/>
+            <a:ext cx="1368152" cy="369332"/>
+          </a:xfrm>
+          <a:prstGeom prst="rect">
+            <a:avLst/>
+          </a:prstGeom>
+          <a:noFill/>
+        </p:spPr>
+        <p:txBody>
+          <a:bodyPr wrap="square" rtlCol="0">
+            <a:spAutoFit/>
+          </a:bodyPr>
+          <a:lstStyle/>
+          <a:p>
+            <a:r>
+              <a:rPr lang="en-US" altLang="ko-KR" dirty="0">
+                <a:solidFill>
+                  <a:srgbClr val="FF0000"/>
+                </a:solidFill>
+              </a:rPr>
+              <a:t>a</a:t>
+            </a:r>
+            <a:r>
+              <a:rPr lang="en-US" altLang="ko-KR" dirty="0" smtClean="0">
+                <a:solidFill>
+                  <a:srgbClr val="FF0000"/>
+                </a:solidFill>
+              </a:rPr>
+              <a:t>nchor.css</a:t>
+            </a:r>
+            <a:endParaRPr lang="ko-KR" altLang="en-US" dirty="0">
+              <a:solidFill>
+                <a:srgbClr val="FF0000"/>
+              </a:solidFill>
+            </a:endParaRPr>
+          </a:p>
+        </p:txBody>
+      </p:sp>
     </p:spTree>
     <p:extLst>
       <p:ext uri="{BB962C8B-B14F-4D97-AF65-F5344CB8AC3E}">
-        <p14:creationId xmlns:p14="http://schemas.microsoft.com/office/powerpoint/2010/main" val="42769870"/>
+        <p14:creationId xmlns:p14="http://schemas.microsoft.com/office/powerpoint/2010/main" val="1485560498"/>
       </p:ext>
     </p:extLst>
   </p:cSld>
@@ -11476,14 +11957,13 @@
           <a:p>
             <a:pPr algn="ctr"/>
             <a:r>
-              <a:rPr lang="en-US" altLang="ko-KR" sz="2800" dirty="0" smtClean="0"/>
-              <a:t>Overflow </a:t>
-            </a:r>
-            <a:r>
-              <a:rPr lang="ko-KR" altLang="en-US" sz="2800" dirty="0" smtClean="0"/>
-              <a:t>속성 정리</a:t>
-            </a:r>
-            <a:endParaRPr lang="ko-KR" altLang="en-US" sz="2800" dirty="0"/>
+              <a:rPr lang="en-US" altLang="ko-KR" sz="2800" dirty="0"/>
+              <a:t>position </a:t>
+            </a:r>
+            <a:r>
+              <a:rPr lang="ko-KR" altLang="en-US" sz="2800" dirty="0"/>
+              <a:t>속성</a:t>
+            </a:r>
           </a:p>
         </p:txBody>
       </p:sp>
@@ -11512,14 +11992,14 @@
       </p:sp>
       <p:sp>
         <p:nvSpPr>
-          <p:cNvPr id="11" name="TextBox 10"/>
+          <p:cNvPr id="8" name="TextBox 7"/>
           <p:cNvSpPr txBox="1"/>
           <p:nvPr/>
         </p:nvSpPr>
         <p:spPr>
           <a:xfrm>
-            <a:off x="704528" y="1175548"/>
-            <a:ext cx="8496944" cy="923330"/>
+            <a:off x="704528" y="1196752"/>
+            <a:ext cx="6696744" cy="1708160"/>
           </a:xfrm>
           <a:prstGeom prst="rect">
             <a:avLst/>
@@ -11538,14 +12018,22 @@
               </a:lnSpc>
             </a:pPr>
             <a:r>
+              <a:rPr lang="ko-KR" altLang="en-US" dirty="0"/>
+              <a:t> </a:t>
+            </a:r>
+            <a:r>
+              <a:rPr lang="ko-KR" altLang="en-US" dirty="0" smtClean="0"/>
+              <a:t> </a:t>
+            </a:r>
+            <a:r>
               <a:rPr lang="en-US" altLang="ko-KR" sz="2000" b="1" dirty="0" smtClean="0"/>
-              <a:t>overflow </a:t>
+              <a:t>z-index </a:t>
             </a:r>
             <a:r>
               <a:rPr lang="ko-KR" altLang="en-US" sz="2000" b="1" dirty="0" smtClean="0"/>
               <a:t>속성 </a:t>
             </a:r>
-            <a:endParaRPr lang="en-US" altLang="ko-KR" sz="2000" b="1" dirty="0" smtClean="0"/>
+            <a:endParaRPr lang="en-US" altLang="ko-KR" dirty="0"/>
           </a:p>
           <a:p>
             <a:pPr>
@@ -11554,40 +12042,82 @@
               </a:lnSpc>
             </a:pPr>
             <a:r>
+              <a:rPr lang="en-US" altLang="ko-KR" dirty="0" smtClean="0"/>
+              <a:t>      - </a:t>
+            </a:r>
+            <a:r>
               <a:rPr lang="ko-KR" altLang="en-US" sz="1600" dirty="0" smtClean="0"/>
-              <a:t>  </a:t>
-            </a:r>
+              <a:t>요소 쌓는 순서 정하기</a:t>
+            </a:r>
+            <a:endParaRPr lang="en-US" altLang="ko-KR" sz="1600" dirty="0" smtClean="0"/>
+          </a:p>
+          <a:p>
+            <a:pPr marL="742950" lvl="1" indent="-285750">
+              <a:lnSpc>
+                <a:spcPct val="150000"/>
+              </a:lnSpc>
+              <a:buFontTx/>
+              <a:buChar char="-"/>
+            </a:pPr>
             <a:r>
               <a:rPr lang="en-US" altLang="ko-KR" sz="1600" dirty="0" smtClean="0"/>
-              <a:t>- </a:t>
+              <a:t>z-index </a:t>
             </a:r>
             <a:r>
               <a:rPr lang="ko-KR" altLang="en-US" sz="1600" dirty="0" smtClean="0"/>
-              <a:t>요소의 박스에 내용</a:t>
+              <a:t>값이 크면 작은 요소보다 위에 쌓인다</a:t>
             </a:r>
             <a:r>
               <a:rPr lang="en-US" altLang="ko-KR" sz="1600" dirty="0" smtClean="0"/>
-              <a:t>(content)</a:t>
+              <a:t>.</a:t>
+            </a:r>
+          </a:p>
+          <a:p>
+            <a:pPr marL="742950" lvl="1" indent="-285750">
+              <a:lnSpc>
+                <a:spcPct val="150000"/>
+              </a:lnSpc>
+              <a:buFontTx/>
+              <a:buChar char="-"/>
+            </a:pPr>
+            <a:r>
+              <a:rPr lang="en-US" altLang="ko-KR" sz="1600" dirty="0"/>
+              <a:t>z</a:t>
+            </a:r>
+            <a:r>
+              <a:rPr lang="en-US" altLang="ko-KR" sz="1600" dirty="0" smtClean="0"/>
+              <a:t>-index </a:t>
             </a:r>
             <a:r>
               <a:rPr lang="ko-KR" altLang="en-US" sz="1600" dirty="0" smtClean="0"/>
-              <a:t>이 더 </a:t>
-            </a:r>
-            <a:r>
-              <a:rPr lang="ko-KR" altLang="en-US" sz="1600" dirty="0" err="1" smtClean="0"/>
-              <a:t>길때</a:t>
+              <a:t>값을 명시하지 않으면 </a:t>
+            </a:r>
+            <a:r>
+              <a:rPr lang="en-US" altLang="ko-KR" sz="1600" dirty="0" smtClean="0"/>
+              <a:t>1</a:t>
             </a:r>
             <a:r>
               <a:rPr lang="ko-KR" altLang="en-US" sz="1600" dirty="0" smtClean="0"/>
-              <a:t> 어떻게 보일지를 결정하는 속성</a:t>
-            </a:r>
-            <a:endParaRPr lang="en-US" altLang="ko-KR" sz="1600" dirty="0" smtClean="0"/>
+              <a:t>부터 시작 </a:t>
+            </a:r>
+            <a:r>
+              <a:rPr lang="en-US" altLang="ko-KR" sz="1600" dirty="0" smtClean="0"/>
+              <a:t>1</a:t>
+            </a:r>
+            <a:r>
+              <a:rPr lang="ko-KR" altLang="en-US" sz="1600" dirty="0" smtClean="0"/>
+              <a:t>씩 커진다</a:t>
+            </a:r>
+            <a:r>
+              <a:rPr lang="en-US" altLang="ko-KR" sz="1600" dirty="0" smtClean="0"/>
+              <a:t>.</a:t>
+            </a:r>
           </a:p>
         </p:txBody>
       </p:sp>
       <p:pic>
         <p:nvPicPr>
-          <p:cNvPr id="5" name="그림 4"/>
+          <p:cNvPr id="7" name="그림 6"/>
           <p:cNvPicPr>
             <a:picLocks noChangeAspect="1"/>
           </p:cNvPicPr>
@@ -11607,18 +12137,55 @@
         </p:blipFill>
         <p:spPr>
           <a:xfrm>
-            <a:off x="866392" y="2276872"/>
-            <a:ext cx="7924410" cy="2395461"/>
+            <a:off x="1866633" y="3068960"/>
+            <a:ext cx="2057578" cy="2027096"/>
           </a:xfrm>
           <a:prstGeom prst="rect">
             <a:avLst/>
           </a:prstGeom>
+        </p:spPr>
+      </p:pic>
+      <p:pic>
+        <p:nvPicPr>
+          <p:cNvPr id="10" name="그림 9"/>
+          <p:cNvPicPr>
+            <a:picLocks noChangeAspect="1"/>
+          </p:cNvPicPr>
+          <p:nvPr/>
+        </p:nvPicPr>
+        <p:blipFill>
+          <a:blip r:embed="rId3">
+            <a:extLst>
+              <a:ext uri="{28A0092B-C50C-407E-A947-70E740481C1C}">
+                <a14:useLocalDpi xmlns:a14="http://schemas.microsoft.com/office/drawing/2010/main" val="0"/>
+              </a:ext>
+            </a:extLst>
+          </a:blip>
+          <a:stretch>
+            <a:fillRect/>
+          </a:stretch>
+        </p:blipFill>
+        <p:spPr>
+          <a:xfrm>
+            <a:off x="4592959" y="3429000"/>
+            <a:ext cx="2985059" cy="1152128"/>
+          </a:xfrm>
+          <a:prstGeom prst="rect">
+            <a:avLst/>
+          </a:prstGeom>
+          <a:ln>
+            <a:solidFill>
+              <a:schemeClr val="bg1">
+                <a:lumMod val="85000"/>
+              </a:schemeClr>
+            </a:solidFill>
+          </a:ln>
         </p:spPr>
       </p:pic>
     </p:spTree>
     <p:extLst>
       <p:ext uri="{BB962C8B-B14F-4D97-AF65-F5344CB8AC3E}">
-        <p14:creationId xmlns:p14="http://schemas.microsoft.com/office/powerpoint/2010/main" val="2747742186"/>
+        <p14:creationId xmlns:p14="http://schemas.microsoft.com/office/powerpoint/2010/main" val="1962451883"/>
       </p:ext>
     </p:extLst>
   </p:cSld>
@@ -11676,14 +12243,13 @@
           <a:p>
             <a:pPr algn="ctr"/>
             <a:r>
-              <a:rPr lang="en-US" altLang="ko-KR" sz="2800" dirty="0" smtClean="0"/>
-              <a:t>Overflow </a:t>
-            </a:r>
-            <a:r>
-              <a:rPr lang="ko-KR" altLang="en-US" sz="2800" dirty="0" smtClean="0"/>
-              <a:t>속성 정리</a:t>
-            </a:r>
-            <a:endParaRPr lang="ko-KR" altLang="en-US" sz="2800" dirty="0"/>
+              <a:rPr lang="en-US" altLang="ko-KR" sz="2800" dirty="0"/>
+              <a:t>position </a:t>
+            </a:r>
+            <a:r>
+              <a:rPr lang="ko-KR" altLang="en-US" sz="2800" dirty="0"/>
+              <a:t>속성</a:t>
+            </a:r>
           </a:p>
         </p:txBody>
       </p:sp>
@@ -11712,7 +12278,7 @@
       </p:sp>
       <p:pic>
         <p:nvPicPr>
-          <p:cNvPr id="5" name="그림 4"/>
+          <p:cNvPr id="3" name="그림 2"/>
           <p:cNvPicPr>
             <a:picLocks noChangeAspect="1"/>
           </p:cNvPicPr>
@@ -11732,8 +12298,8 @@
         </p:blipFill>
         <p:spPr>
           <a:xfrm>
-            <a:off x="1280592" y="1484784"/>
-            <a:ext cx="7056784" cy="4124841"/>
+            <a:off x="2360712" y="1412775"/>
+            <a:ext cx="3292956" cy="5112569"/>
           </a:xfrm>
           <a:prstGeom prst="rect">
             <a:avLst/>
@@ -11750,7 +12316,7 @@
     </p:spTree>
     <p:extLst>
       <p:ext uri="{BB962C8B-B14F-4D97-AF65-F5344CB8AC3E}">
-        <p14:creationId xmlns:p14="http://schemas.microsoft.com/office/powerpoint/2010/main" val="3604095446"/>
+        <p14:creationId xmlns:p14="http://schemas.microsoft.com/office/powerpoint/2010/main" val="42769870"/>
       </p:ext>
     </p:extLst>
   </p:cSld>
@@ -11837,6 +12403,338 @@
             <a:fld id="{1BDE3FE7-3AEA-4B05-AC5A-802D1816ACF0}" type="slidenum">
               <a:rPr lang="ko-KR" altLang="en-US" smtClean="0"/>
               <a:t>36</a:t>
+            </a:fld>
+            <a:endParaRPr lang="ko-KR" altLang="en-US"/>
+          </a:p>
+        </p:txBody>
+      </p:sp>
+      <p:sp>
+        <p:nvSpPr>
+          <p:cNvPr id="11" name="TextBox 10"/>
+          <p:cNvSpPr txBox="1"/>
+          <p:nvPr/>
+        </p:nvSpPr>
+        <p:spPr>
+          <a:xfrm>
+            <a:off x="704528" y="1175548"/>
+            <a:ext cx="8496944" cy="923330"/>
+          </a:xfrm>
+          <a:prstGeom prst="rect">
+            <a:avLst/>
+          </a:prstGeom>
+          <a:noFill/>
+        </p:spPr>
+        <p:txBody>
+          <a:bodyPr wrap="square" rtlCol="0">
+            <a:spAutoFit/>
+          </a:bodyPr>
+          <a:lstStyle/>
+          <a:p>
+            <a:pPr>
+              <a:lnSpc>
+                <a:spcPct val="150000"/>
+              </a:lnSpc>
+            </a:pPr>
+            <a:r>
+              <a:rPr lang="en-US" altLang="ko-KR" sz="2000" b="1" dirty="0" smtClean="0"/>
+              <a:t>overflow </a:t>
+            </a:r>
+            <a:r>
+              <a:rPr lang="ko-KR" altLang="en-US" sz="2000" b="1" dirty="0" smtClean="0"/>
+              <a:t>속성 </a:t>
+            </a:r>
+            <a:endParaRPr lang="en-US" altLang="ko-KR" sz="2000" b="1" dirty="0" smtClean="0"/>
+          </a:p>
+          <a:p>
+            <a:pPr>
+              <a:lnSpc>
+                <a:spcPct val="150000"/>
+              </a:lnSpc>
+            </a:pPr>
+            <a:r>
+              <a:rPr lang="ko-KR" altLang="en-US" sz="1600" dirty="0" smtClean="0"/>
+              <a:t>  </a:t>
+            </a:r>
+            <a:r>
+              <a:rPr lang="en-US" altLang="ko-KR" sz="1600" dirty="0" smtClean="0"/>
+              <a:t>- </a:t>
+            </a:r>
+            <a:r>
+              <a:rPr lang="ko-KR" altLang="en-US" sz="1600" dirty="0" smtClean="0"/>
+              <a:t>요소의 박스에 내용</a:t>
+            </a:r>
+            <a:r>
+              <a:rPr lang="en-US" altLang="ko-KR" sz="1600" dirty="0" smtClean="0"/>
+              <a:t>(content)</a:t>
+            </a:r>
+            <a:r>
+              <a:rPr lang="ko-KR" altLang="en-US" sz="1600" dirty="0" smtClean="0"/>
+              <a:t>이 더 </a:t>
+            </a:r>
+            <a:r>
+              <a:rPr lang="ko-KR" altLang="en-US" sz="1600" dirty="0" err="1" smtClean="0"/>
+              <a:t>길때</a:t>
+            </a:r>
+            <a:r>
+              <a:rPr lang="ko-KR" altLang="en-US" sz="1600" dirty="0" smtClean="0"/>
+              <a:t> 어떻게 보일지를 결정하는 속성</a:t>
+            </a:r>
+            <a:endParaRPr lang="en-US" altLang="ko-KR" sz="1600" dirty="0" smtClean="0"/>
+          </a:p>
+        </p:txBody>
+      </p:sp>
+      <p:pic>
+        <p:nvPicPr>
+          <p:cNvPr id="5" name="그림 4"/>
+          <p:cNvPicPr>
+            <a:picLocks noChangeAspect="1"/>
+          </p:cNvPicPr>
+          <p:nvPr/>
+        </p:nvPicPr>
+        <p:blipFill>
+          <a:blip r:embed="rId2">
+            <a:extLst>
+              <a:ext uri="{28A0092B-C50C-407E-A947-70E740481C1C}">
+                <a14:useLocalDpi xmlns:a14="http://schemas.microsoft.com/office/drawing/2010/main" val="0"/>
+              </a:ext>
+            </a:extLst>
+          </a:blip>
+          <a:stretch>
+            <a:fillRect/>
+          </a:stretch>
+        </p:blipFill>
+        <p:spPr>
+          <a:xfrm>
+            <a:off x="866392" y="2276872"/>
+            <a:ext cx="7924410" cy="2395461"/>
+          </a:xfrm>
+          <a:prstGeom prst="rect">
+            <a:avLst/>
+          </a:prstGeom>
+        </p:spPr>
+      </p:pic>
+    </p:spTree>
+    <p:extLst>
+      <p:ext uri="{BB962C8B-B14F-4D97-AF65-F5344CB8AC3E}">
+        <p14:creationId xmlns:p14="http://schemas.microsoft.com/office/powerpoint/2010/main" val="2747742186"/>
+      </p:ext>
+    </p:extLst>
+  </p:cSld>
+  <p:clrMapOvr>
+    <a:masterClrMapping/>
+  </p:clrMapOvr>
+  <p:timing>
+    <p:tnLst>
+      <p:par>
+        <p:cTn id="1" dur="indefinite" restart="never" nodeType="tmRoot"/>
+      </p:par>
+    </p:tnLst>
+  </p:timing>
+</p:sld>
+</file>
+
+<file path=ppt/slides/slide37.xml><?xml version="1.0" encoding="utf-8"?>
+<p:sld xmlns:a="http://schemas.openxmlformats.org/drawingml/2006/main" xmlns:r="http://schemas.openxmlformats.org/officeDocument/2006/relationships" xmlns:p="http://schemas.openxmlformats.org/presentationml/2006/main">
+  <p:cSld>
+    <p:spTree>
+      <p:nvGrpSpPr>
+        <p:cNvPr id="1" name=""/>
+        <p:cNvGrpSpPr/>
+        <p:nvPr/>
+      </p:nvGrpSpPr>
+      <p:grpSpPr>
+        <a:xfrm>
+          <a:off x="0" y="0"/>
+          <a:ext cx="0" cy="0"/>
+          <a:chOff x="0" y="0"/>
+          <a:chExt cx="0" cy="0"/>
+        </a:xfrm>
+      </p:grpSpPr>
+      <p:sp>
+        <p:nvSpPr>
+          <p:cNvPr id="2" name="제목 1"/>
+          <p:cNvSpPr>
+            <a:spLocks noGrp="1"/>
+          </p:cNvSpPr>
+          <p:nvPr>
+            <p:ph type="title"/>
+          </p:nvPr>
+        </p:nvSpPr>
+        <p:spPr>
+          <a:xfrm>
+            <a:off x="416497" y="197768"/>
+            <a:ext cx="6412780" cy="854968"/>
+          </a:xfrm>
+        </p:spPr>
+        <p:txBody>
+          <a:bodyPr>
+            <a:noAutofit/>
+          </a:bodyPr>
+          <a:lstStyle/>
+          <a:p>
+            <a:pPr algn="ctr"/>
+            <a:r>
+              <a:rPr lang="en-US" altLang="ko-KR" sz="2800" dirty="0" smtClean="0"/>
+              <a:t>Overflow </a:t>
+            </a:r>
+            <a:r>
+              <a:rPr lang="ko-KR" altLang="en-US" sz="2800" dirty="0" smtClean="0"/>
+              <a:t>속성 정리</a:t>
+            </a:r>
+            <a:endParaRPr lang="ko-KR" altLang="en-US" sz="2800" dirty="0"/>
+          </a:p>
+        </p:txBody>
+      </p:sp>
+      <p:sp>
+        <p:nvSpPr>
+          <p:cNvPr id="4" name="슬라이드 번호 개체 틀 3"/>
+          <p:cNvSpPr>
+            <a:spLocks noGrp="1"/>
+          </p:cNvSpPr>
+          <p:nvPr>
+            <p:ph type="sldNum" sz="quarter" idx="12"/>
+          </p:nvPr>
+        </p:nvSpPr>
+        <p:spPr/>
+        <p:txBody>
+          <a:bodyPr/>
+          <a:lstStyle/>
+          <a:p>
+            <a:fld id="{1BDE3FE7-3AEA-4B05-AC5A-802D1816ACF0}" type="slidenum">
+              <a:rPr lang="ko-KR" altLang="en-US" smtClean="0"/>
+              <a:t>37</a:t>
+            </a:fld>
+            <a:endParaRPr lang="ko-KR" altLang="en-US"/>
+          </a:p>
+        </p:txBody>
+      </p:sp>
+      <p:pic>
+        <p:nvPicPr>
+          <p:cNvPr id="5" name="그림 4"/>
+          <p:cNvPicPr>
+            <a:picLocks noChangeAspect="1"/>
+          </p:cNvPicPr>
+          <p:nvPr/>
+        </p:nvPicPr>
+        <p:blipFill>
+          <a:blip r:embed="rId2">
+            <a:extLst>
+              <a:ext uri="{28A0092B-C50C-407E-A947-70E740481C1C}">
+                <a14:useLocalDpi xmlns:a14="http://schemas.microsoft.com/office/drawing/2010/main" val="0"/>
+              </a:ext>
+            </a:extLst>
+          </a:blip>
+          <a:stretch>
+            <a:fillRect/>
+          </a:stretch>
+        </p:blipFill>
+        <p:spPr>
+          <a:xfrm>
+            <a:off x="1280592" y="1484784"/>
+            <a:ext cx="7056784" cy="4124841"/>
+          </a:xfrm>
+          <a:prstGeom prst="rect">
+            <a:avLst/>
+          </a:prstGeom>
+          <a:ln>
+            <a:solidFill>
+              <a:schemeClr val="bg1">
+                <a:lumMod val="85000"/>
+              </a:schemeClr>
+            </a:solidFill>
+          </a:ln>
+        </p:spPr>
+      </p:pic>
+    </p:spTree>
+    <p:extLst>
+      <p:ext uri="{BB962C8B-B14F-4D97-AF65-F5344CB8AC3E}">
+        <p14:creationId xmlns:p14="http://schemas.microsoft.com/office/powerpoint/2010/main" val="3604095446"/>
+      </p:ext>
+    </p:extLst>
+  </p:cSld>
+  <p:clrMapOvr>
+    <a:masterClrMapping/>
+  </p:clrMapOvr>
+  <p:timing>
+    <p:tnLst>
+      <p:par>
+        <p:cTn id="1" dur="indefinite" restart="never" nodeType="tmRoot"/>
+      </p:par>
+    </p:tnLst>
+  </p:timing>
+</p:sld>
+</file>
+
+<file path=ppt/slides/slide38.xml><?xml version="1.0" encoding="utf-8"?>
+<p:sld xmlns:a="http://schemas.openxmlformats.org/drawingml/2006/main" xmlns:r="http://schemas.openxmlformats.org/officeDocument/2006/relationships" xmlns:p="http://schemas.openxmlformats.org/presentationml/2006/main">
+  <p:cSld>
+    <p:spTree>
+      <p:nvGrpSpPr>
+        <p:cNvPr id="1" name=""/>
+        <p:cNvGrpSpPr/>
+        <p:nvPr/>
+      </p:nvGrpSpPr>
+      <p:grpSpPr>
+        <a:xfrm>
+          <a:off x="0" y="0"/>
+          <a:ext cx="0" cy="0"/>
+          <a:chOff x="0" y="0"/>
+          <a:chExt cx="0" cy="0"/>
+        </a:xfrm>
+      </p:grpSpPr>
+      <p:sp>
+        <p:nvSpPr>
+          <p:cNvPr id="2" name="제목 1"/>
+          <p:cNvSpPr>
+            <a:spLocks noGrp="1"/>
+          </p:cNvSpPr>
+          <p:nvPr>
+            <p:ph type="title"/>
+          </p:nvPr>
+        </p:nvSpPr>
+        <p:spPr>
+          <a:xfrm>
+            <a:off x="416497" y="197768"/>
+            <a:ext cx="6412780" cy="854968"/>
+          </a:xfrm>
+        </p:spPr>
+        <p:txBody>
+          <a:bodyPr>
+            <a:noAutofit/>
+          </a:bodyPr>
+          <a:lstStyle/>
+          <a:p>
+            <a:pPr algn="ctr"/>
+            <a:r>
+              <a:rPr lang="en-US" altLang="ko-KR" sz="2800" dirty="0" smtClean="0"/>
+              <a:t>Overflow </a:t>
+            </a:r>
+            <a:r>
+              <a:rPr lang="ko-KR" altLang="en-US" sz="2800" dirty="0" smtClean="0"/>
+              <a:t>속성 정리</a:t>
+            </a:r>
+            <a:endParaRPr lang="ko-KR" altLang="en-US" sz="2800" dirty="0"/>
+          </a:p>
+        </p:txBody>
+      </p:sp>
+      <p:sp>
+        <p:nvSpPr>
+          <p:cNvPr id="4" name="슬라이드 번호 개체 틀 3"/>
+          <p:cNvSpPr>
+            <a:spLocks noGrp="1"/>
+          </p:cNvSpPr>
+          <p:nvPr>
+            <p:ph type="sldNum" sz="quarter" idx="12"/>
+          </p:nvPr>
+        </p:nvSpPr>
+        <p:spPr/>
+        <p:txBody>
+          <a:bodyPr/>
+          <a:lstStyle/>
+          <a:p>
+            <a:fld id="{1BDE3FE7-3AEA-4B05-AC5A-802D1816ACF0}" type="slidenum">
+              <a:rPr lang="ko-KR" altLang="en-US" smtClean="0"/>
+              <a:t>38</a:t>
             </a:fld>
             <a:endParaRPr lang="ko-KR" altLang="en-US"/>
           </a:p>
@@ -12502,6 +13400,57 @@
           </a:ln>
         </p:spPr>
       </p:pic>
+      <p:sp>
+        <p:nvSpPr>
+          <p:cNvPr id="7" name="TextBox 6"/>
+          <p:cNvSpPr txBox="1"/>
+          <p:nvPr/>
+        </p:nvSpPr>
+        <p:spPr>
+          <a:xfrm>
+            <a:off x="1423291" y="4293096"/>
+            <a:ext cx="1584176" cy="414024"/>
+          </a:xfrm>
+          <a:prstGeom prst="rect">
+            <a:avLst/>
+          </a:prstGeom>
+          <a:noFill/>
+        </p:spPr>
+        <p:txBody>
+          <a:bodyPr wrap="square" rtlCol="0">
+            <a:spAutoFit/>
+          </a:bodyPr>
+          <a:lstStyle/>
+          <a:p>
+            <a:pPr>
+              <a:lnSpc>
+                <a:spcPct val="150000"/>
+              </a:lnSpc>
+            </a:pPr>
+            <a:r>
+              <a:rPr lang="en-US" altLang="ko-KR" sz="1600" dirty="0" smtClean="0">
+                <a:solidFill>
+                  <a:srgbClr val="C00000"/>
+                </a:solidFill>
+              </a:rPr>
+              <a:t>float2.html </a:t>
+            </a:r>
+            <a:r>
+              <a:rPr lang="ko-KR" altLang="en-US" sz="1600" dirty="0" smtClean="0">
+                <a:solidFill>
+                  <a:srgbClr val="C00000"/>
+                </a:solidFill>
+              </a:rPr>
+              <a:t> </a:t>
+            </a:r>
+            <a:endParaRPr lang="en-US" altLang="ko-KR" sz="1600" dirty="0" smtClean="0">
+              <a:solidFill>
+                <a:srgbClr val="C00000"/>
+              </a:solidFill>
+            </a:endParaRPr>
+          </a:p>
+        </p:txBody>
+      </p:sp>
     </p:spTree>
     <p:extLst>
       <p:ext uri="{BB962C8B-B14F-4D97-AF65-F5344CB8AC3E}">
@@ -12837,9 +13786,68 @@
           </a:ln>
         </p:spPr>
       </p:pic>
+      <p:sp>
+        <p:nvSpPr>
+          <p:cNvPr id="9" name="TextBox 8"/>
+          <p:cNvSpPr txBox="1"/>
+          <p:nvPr/>
+        </p:nvSpPr>
+        <p:spPr>
+          <a:xfrm>
+            <a:off x="7113240" y="3861048"/>
+            <a:ext cx="1584176" cy="414024"/>
+          </a:xfrm>
+          <a:prstGeom prst="rect">
+            <a:avLst/>
+          </a:prstGeom>
+          <a:noFill/>
+        </p:spPr>
+        <p:txBody>
+          <a:bodyPr wrap="square" rtlCol="0">
+            <a:spAutoFit/>
+          </a:bodyPr>
+          <a:lstStyle/>
+          <a:p>
+            <a:pPr>
+              <a:lnSpc>
+                <a:spcPct val="150000"/>
+              </a:lnSpc>
+            </a:pPr>
+            <a:r>
+              <a:rPr lang="en-US" altLang="ko-KR" sz="1600" dirty="0">
+                <a:solidFill>
+                  <a:srgbClr val="C00000"/>
+                </a:solidFill>
+              </a:rPr>
+              <a:t>f</a:t>
+            </a:r>
+            <a:r>
+              <a:rPr lang="en-US" altLang="ko-KR" sz="1600" dirty="0" smtClean="0">
+                <a:solidFill>
+                  <a:srgbClr val="C00000"/>
+                </a:solidFill>
+              </a:rPr>
+              <a:t>loat-text.html </a:t>
+            </a:r>
+            <a:r>
+              <a:rPr lang="ko-KR" altLang="en-US" sz="1600" dirty="0" smtClean="0">
+                <a:solidFill>
+                  <a:srgbClr val="C00000"/>
+                </a:solidFill>
+              </a:rPr>
+              <a:t> </a:t>
+            </a:r>
+            <a:endParaRPr lang="en-US" altLang="ko-KR" sz="1600" dirty="0" smtClean="0">
+              <a:solidFill>
+                <a:srgbClr val="C00000"/>
+              </a:solidFill>
+            </a:endParaRPr>
+          </a:p>
+        </p:txBody>
+      </p:sp>
       <p:pic>
         <p:nvPicPr>
-          <p:cNvPr id="8" name="그림 7"/>
+          <p:cNvPr id="6" name="그림 5"/>
           <p:cNvPicPr>
             <a:picLocks noChangeAspect="1"/>
           </p:cNvPicPr>
@@ -12859,8 +13867,8 @@
         </p:blipFill>
         <p:spPr>
           <a:xfrm>
-            <a:off x="4049312" y="5728030"/>
-            <a:ext cx="4084674" cy="784928"/>
+            <a:off x="4630716" y="5306888"/>
+            <a:ext cx="4397121" cy="708721"/>
           </a:xfrm>
           <a:prstGeom prst="rect">
             <a:avLst/>
@@ -12874,65 +13882,6 @@
           </a:ln>
         </p:spPr>
       </p:pic>
-      <p:sp>
-        <p:nvSpPr>
-          <p:cNvPr id="9" name="TextBox 8"/>
-          <p:cNvSpPr txBox="1"/>
-          <p:nvPr/>
-        </p:nvSpPr>
-        <p:spPr>
-          <a:xfrm>
-            <a:off x="7113240" y="3861048"/>
-            <a:ext cx="1584176" cy="414024"/>
-          </a:xfrm>
-          <a:prstGeom prst="rect">
-            <a:avLst/>
-          </a:prstGeom>
-          <a:noFill/>
-        </p:spPr>
-        <p:txBody>
-          <a:bodyPr wrap="square" rtlCol="0">
-            <a:spAutoFit/>
-          </a:bodyPr>
-          <a:lstStyle/>
-          <a:p>
-            <a:pPr>
-              <a:lnSpc>
-                <a:spcPct val="150000"/>
-              </a:lnSpc>
-            </a:pPr>
-            <a:r>
-              <a:rPr lang="en-US" altLang="ko-KR" sz="1600" dirty="0">
-                <a:solidFill>
-                  <a:srgbClr val="C00000"/>
-                </a:solidFill>
-              </a:rPr>
-              <a:t>f</a:t>
-            </a:r>
-            <a:r>
-              <a:rPr lang="en-US" altLang="ko-KR" sz="1600" dirty="0" smtClean="0">
-                <a:solidFill>
-                  <a:srgbClr val="C00000"/>
-                </a:solidFill>
-              </a:rPr>
-              <a:t>loat-text.html </a:t>
-            </a:r>
-            <a:r>
-              <a:rPr lang="ko-KR" altLang="en-US" sz="1600" dirty="0" smtClean="0">
-                <a:solidFill>
-                  <a:srgbClr val="C00000"/>
-                </a:solidFill>
-              </a:rPr>
-              <a:t> </a:t>
-            </a:r>
-            <a:endParaRPr lang="en-US" altLang="ko-KR" sz="1600" dirty="0" smtClean="0">
-              <a:solidFill>
-                <a:srgbClr val="C00000"/>
-              </a:solidFill>
-            </a:endParaRPr>
-          </a:p>
-        </p:txBody>
-      </p:sp>
     </p:spTree>
     <p:extLst>
       <p:ext uri="{BB962C8B-B14F-4D97-AF65-F5344CB8AC3E}">
@@ -13241,7 +14190,7 @@
         <p:spPr>
           <a:xfrm>
             <a:off x="5529064" y="1790840"/>
-            <a:ext cx="1584176" cy="414024"/>
+            <a:ext cx="2088232" cy="461665"/>
           </a:xfrm>
           <a:prstGeom prst="rect">
             <a:avLst/>
@@ -13260,12 +14209,20 @@
               </a:lnSpc>
             </a:pPr>
             <a:r>
+              <a:rPr lang="en-US" altLang="ko-KR" sz="1600" dirty="0">
+                <a:solidFill>
+                  <a:srgbClr val="C00000"/>
+                </a:solidFill>
+              </a:rPr>
+              <a:t>f</a:t>
+            </a:r>
+            <a:r>
               <a:rPr lang="en-US" altLang="ko-KR" sz="1600" dirty="0" smtClean="0">
                 <a:solidFill>
                   <a:srgbClr val="C00000"/>
                 </a:solidFill>
               </a:rPr>
-              <a:t>layout.html </a:t>
+              <a:t>loat-layout.html </a:t>
             </a:r>
             <a:r>
               <a:rPr lang="ko-KR" altLang="en-US" sz="1600" dirty="0" smtClean="0">

--- a/html-css_ppt/6강. css 포지셔닝.pptx
+++ b/html-css_ppt/6강. css 포지셔닝.pptx
@@ -245,7 +245,7 @@
           <a:p>
             <a:fld id="{7665CDAC-D627-4E87-877A-1B781DD4CADC}" type="datetimeFigureOut">
               <a:rPr lang="ko-KR" altLang="en-US" smtClean="0"/>
-              <a:t>2023-03-23</a:t>
+              <a:t>2023-03-24</a:t>
             </a:fld>
             <a:endParaRPr lang="ko-KR" altLang="en-US"/>
           </a:p>
@@ -659,7 +659,7 @@
           <a:p>
             <a:fld id="{C25BCFD5-C4DF-4EBC-B718-C69ED2FBDE6F}" type="datetime1">
               <a:rPr lang="ko-KR" altLang="en-US" smtClean="0"/>
-              <a:t>2023-03-23</a:t>
+              <a:t>2023-03-24</a:t>
             </a:fld>
             <a:endParaRPr lang="ko-KR" altLang="en-US"/>
           </a:p>
@@ -1077,7 +1077,7 @@
           <a:p>
             <a:fld id="{AB448CD7-D367-43D5-B461-ACE552E75063}" type="datetime1">
               <a:rPr lang="ko-KR" altLang="en-US" smtClean="0"/>
-              <a:t>2023-03-23</a:t>
+              <a:t>2023-03-24</a:t>
             </a:fld>
             <a:endParaRPr lang="ko-KR" altLang="en-US"/>
           </a:p>
@@ -1257,7 +1257,7 @@
           <a:p>
             <a:fld id="{B6E49E79-7361-4780-8BEF-7EDE3708298A}" type="datetime1">
               <a:rPr lang="ko-KR" altLang="en-US" smtClean="0"/>
-              <a:t>2023-03-23</a:t>
+              <a:t>2023-03-24</a:t>
             </a:fld>
             <a:endParaRPr lang="ko-KR" altLang="en-US"/>
           </a:p>
@@ -1431,7 +1431,7 @@
           <a:p>
             <a:fld id="{A4D42E3C-B70B-437C-85CF-1286301B9CBA}" type="datetime1">
               <a:rPr lang="ko-KR" altLang="en-US" smtClean="0"/>
-              <a:t>2023-03-23</a:t>
+              <a:t>2023-03-24</a:t>
             </a:fld>
             <a:endParaRPr lang="ko-KR" altLang="en-US"/>
           </a:p>
@@ -1677,7 +1677,7 @@
           <a:p>
             <a:fld id="{B3369A20-5B3D-4D98-A822-26B93D177A40}" type="datetime1">
               <a:rPr lang="ko-KR" altLang="en-US" smtClean="0"/>
-              <a:t>2023-03-23</a:t>
+              <a:t>2023-03-24</a:t>
             </a:fld>
             <a:endParaRPr lang="ko-KR" altLang="en-US"/>
           </a:p>
@@ -1965,7 +1965,7 @@
           <a:p>
             <a:fld id="{685CD4CE-9E43-4F70-A9D8-A2130CA7D92A}" type="datetime1">
               <a:rPr lang="ko-KR" altLang="en-US" smtClean="0"/>
-              <a:t>2023-03-23</a:t>
+              <a:t>2023-03-24</a:t>
             </a:fld>
             <a:endParaRPr lang="ko-KR" altLang="en-US"/>
           </a:p>
@@ -2387,7 +2387,7 @@
           <a:p>
             <a:fld id="{F752BD92-DA3E-4A0B-90C9-7DE5E15B6E96}" type="datetime1">
               <a:rPr lang="ko-KR" altLang="en-US" smtClean="0"/>
-              <a:t>2023-03-23</a:t>
+              <a:t>2023-03-24</a:t>
             </a:fld>
             <a:endParaRPr lang="ko-KR" altLang="en-US"/>
           </a:p>
@@ -2505,7 +2505,7 @@
           <a:p>
             <a:fld id="{8EA2B83A-F366-424E-B742-340ACF856BB5}" type="datetime1">
               <a:rPr lang="ko-KR" altLang="en-US" smtClean="0"/>
-              <a:t>2023-03-23</a:t>
+              <a:t>2023-03-24</a:t>
             </a:fld>
             <a:endParaRPr lang="ko-KR" altLang="en-US"/>
           </a:p>
@@ -2600,7 +2600,7 @@
           <a:p>
             <a:fld id="{9A49D68B-5DBD-48E9-A8D4-FCBC4B3DD9C6}" type="datetime1">
               <a:rPr lang="ko-KR" altLang="en-US" smtClean="0"/>
-              <a:t>2023-03-23</a:t>
+              <a:t>2023-03-24</a:t>
             </a:fld>
             <a:endParaRPr lang="ko-KR" altLang="en-US"/>
           </a:p>
@@ -2877,7 +2877,7 @@
           <a:p>
             <a:fld id="{4CAB534F-7D16-467B-9320-91F98915D181}" type="datetime1">
               <a:rPr lang="ko-KR" altLang="en-US" smtClean="0"/>
-              <a:t>2023-03-23</a:t>
+              <a:t>2023-03-24</a:t>
             </a:fld>
             <a:endParaRPr lang="ko-KR" altLang="en-US"/>
           </a:p>
@@ -3130,7 +3130,7 @@
           <a:p>
             <a:fld id="{A390A91F-2F8D-4486-A69D-D680F95444B0}" type="datetime1">
               <a:rPr lang="ko-KR" altLang="en-US" smtClean="0"/>
-              <a:t>2023-03-23</a:t>
+              <a:t>2023-03-24</a:t>
             </a:fld>
             <a:endParaRPr lang="ko-KR" altLang="en-US"/>
           </a:p>
@@ -3310,7 +3310,7 @@
           <a:p>
             <a:fld id="{2238BBEA-E8DD-414A-BF68-FC2AFA7CFF2D}" type="datetime1">
               <a:rPr lang="ko-KR" altLang="en-US" smtClean="0"/>
-              <a:t>2023-03-23</a:t>
+              <a:t>2023-03-24</a:t>
             </a:fld>
             <a:endParaRPr lang="ko-KR" altLang="en-US"/>
           </a:p>
@@ -5130,7 +5130,7 @@
       </p:sp>
       <p:pic>
         <p:nvPicPr>
-          <p:cNvPr id="5" name="그림 4"/>
+          <p:cNvPr id="3" name="그림 2"/>
           <p:cNvPicPr>
             <a:picLocks noChangeAspect="1"/>
           </p:cNvPicPr>
@@ -5150,8 +5150,8 @@
         </p:blipFill>
         <p:spPr>
           <a:xfrm>
-            <a:off x="1136577" y="1628800"/>
-            <a:ext cx="7056784" cy="4190623"/>
+            <a:off x="992560" y="1565933"/>
+            <a:ext cx="7748170" cy="4379717"/>
           </a:xfrm>
           <a:prstGeom prst="rect">
             <a:avLst/>
@@ -10157,11 +10157,7 @@
             </a:r>
             <a:r>
               <a:rPr lang="ko-KR" altLang="en-US" dirty="0" smtClean="0"/>
-              <a:t>의 </a:t>
-            </a:r>
-            <a:r>
-              <a:rPr lang="ko-KR" altLang="en-US" dirty="0" smtClean="0"/>
-              <a:t>배경 이미지는 </a:t>
+              <a:t>의 배경 이미지는 </a:t>
             </a:r>
             <a:r>
               <a:rPr lang="en-US" altLang="ko-KR" dirty="0" smtClean="0"/>
@@ -10169,11 +10165,7 @@
             </a:r>
             <a:r>
               <a:rPr lang="ko-KR" altLang="en-US" dirty="0" smtClean="0"/>
-              <a:t>로 </a:t>
-            </a:r>
-            <a:r>
-              <a:rPr lang="ko-KR" altLang="en-US" dirty="0" smtClean="0"/>
-              <a:t>지정하는데</a:t>
+              <a:t>로 지정하는데</a:t>
             </a:r>
             <a:r>
               <a:rPr lang="en-US" altLang="ko-KR" dirty="0" smtClean="0"/>
@@ -10181,17 +10173,12 @@
             </a:r>
             <a:r>
               <a:rPr lang="ko-KR" altLang="en-US" dirty="0" smtClean="0"/>
-              <a:t>배경 이미지는 반복하지 않고 </a:t>
-            </a:r>
-            <a:r>
-              <a:rPr lang="ko-KR" altLang="en-US" dirty="0" smtClean="0"/>
-              <a:t>크기는 꽉 채워서 보이도록 합니다</a:t>
+              <a:t>배경 이미지는 반복하지 않고 크기는 꽉 채워서 보이도록 합니다</a:t>
             </a:r>
             <a:r>
               <a:rPr lang="en-US" altLang="ko-KR" dirty="0" smtClean="0"/>
               <a:t>.</a:t>
             </a:r>
-            <a:endParaRPr lang="en-US" altLang="ko-KR" dirty="0" smtClean="0"/>
           </a:p>
           <a:p>
             <a:pPr marL="342900" indent="-342900">
@@ -10207,19 +10194,7 @@
             </a:r>
             <a:r>
               <a:rPr lang="ko-KR" altLang="en-US" dirty="0" smtClean="0"/>
-              <a:t>태그를 사용한 </a:t>
-            </a:r>
-            <a:r>
-              <a:rPr lang="ko-KR" altLang="en-US" dirty="0" smtClean="0"/>
-              <a:t>제목의 크기와 위치는 </a:t>
-            </a:r>
-            <a:r>
-              <a:rPr lang="ko-KR" altLang="en-US" dirty="0" smtClean="0"/>
-              <a:t>출력물과 유사하게 </a:t>
-            </a:r>
-            <a:r>
-              <a:rPr lang="ko-KR" altLang="en-US" dirty="0" smtClean="0"/>
-              <a:t>지정하고</a:t>
+              <a:t>태그를 사용한 제목의 크기와 위치는 출력물과 유사하게 지정하고</a:t>
             </a:r>
             <a:r>
               <a:rPr lang="en-US" altLang="ko-KR" dirty="0" smtClean="0"/>
